--- a/SE-2016A-G08-项目介绍V1.2.pptx
+++ b/SE-2016A-G08-项目介绍V1.2.pptx
@@ -210,7 +210,7 @@
           <a:p>
             <a:fld id="{602EE1C5-99C1-47B6-9F05-A280620E55AE}" type="datetimeFigureOut">
               <a:rPr lang="zh-CN" altLang="en-US" smtClean="0"/>
-              <a:t>2016/3/15 Tuesday</a:t>
+              <a:t>2016/3/16</a:t>
             </a:fld>
             <a:endParaRPr lang="zh-CN" altLang="en-US"/>
           </a:p>
@@ -274,38 +274,37 @@
           <a:p>
             <a:pPr lvl="0"/>
             <a:r>
-              <a:rPr lang="zh-CN" altLang="en-US" smtClean="0"/>
+              <a:rPr lang="zh-CN" altLang="en-US"/>
               <a:t>编辑母版文本样式</a:t>
             </a:r>
           </a:p>
           <a:p>
             <a:pPr lvl="1"/>
             <a:r>
-              <a:rPr lang="zh-CN" altLang="en-US" smtClean="0"/>
+              <a:rPr lang="zh-CN" altLang="en-US"/>
               <a:t>第二级</a:t>
             </a:r>
           </a:p>
           <a:p>
             <a:pPr lvl="2"/>
             <a:r>
-              <a:rPr lang="zh-CN" altLang="en-US" smtClean="0"/>
+              <a:rPr lang="zh-CN" altLang="en-US"/>
               <a:t>第三级</a:t>
             </a:r>
           </a:p>
           <a:p>
             <a:pPr lvl="3"/>
             <a:r>
-              <a:rPr lang="zh-CN" altLang="en-US" smtClean="0"/>
+              <a:rPr lang="zh-CN" altLang="en-US"/>
               <a:t>第四级</a:t>
             </a:r>
           </a:p>
           <a:p>
             <a:pPr lvl="4"/>
             <a:r>
-              <a:rPr lang="zh-CN" altLang="en-US" smtClean="0"/>
+              <a:rPr lang="zh-CN" altLang="en-US"/>
               <a:t>第五级</a:t>
             </a:r>
-            <a:endParaRPr lang="zh-CN" altLang="en-US"/>
           </a:p>
         </p:txBody>
       </p:sp>
@@ -523,10 +522,9 @@
           <a:lstStyle/>
           <a:p>
             <a:r>
-              <a:rPr lang="zh-CN" altLang="en-US" dirty="0" smtClean="0"/>
+              <a:rPr lang="zh-CN" altLang="en-US" dirty="0"/>
               <a:t>我们组要做的是一个简单的气象站原形</a:t>
             </a:r>
-            <a:endParaRPr lang="zh-CN" altLang="en-US" dirty="0"/>
           </a:p>
         </p:txBody>
       </p:sp>
@@ -611,7 +609,7 @@
           <a:lstStyle/>
           <a:p>
             <a:r>
-              <a:rPr lang="en-US" altLang="zh-CN" sz="1200" b="0" i="0" kern="1200" dirty="0" smtClean="0">
+              <a:rPr lang="en-US" altLang="zh-CN" sz="1200" b="0" i="0" kern="1200" dirty="0">
                 <a:solidFill>
                   <a:schemeClr val="tx1"/>
                 </a:solidFill>
@@ -623,7 +621,7 @@
               <a:t>UI</a:t>
             </a:r>
             <a:r>
-              <a:rPr lang="zh-CN" altLang="en-US" sz="1200" b="0" i="0" kern="1200" dirty="0" smtClean="0">
+              <a:rPr lang="zh-CN" altLang="en-US" sz="1200" b="0" i="0" kern="1200" dirty="0">
                 <a:solidFill>
                   <a:schemeClr val="tx1"/>
                 </a:solidFill>
@@ -635,7 +633,7 @@
               <a:t>（</a:t>
             </a:r>
             <a:r>
-              <a:rPr lang="en-US" altLang="zh-CN" sz="1200" b="0" i="0" kern="1200" dirty="0" smtClean="0">
+              <a:rPr lang="en-US" altLang="zh-CN" sz="1200" b="0" i="0" kern="1200" dirty="0">
                 <a:solidFill>
                   <a:schemeClr val="tx1"/>
                 </a:solidFill>
@@ -647,7 +645,7 @@
               <a:t>User Interface</a:t>
             </a:r>
             <a:r>
-              <a:rPr lang="zh-CN" altLang="en-US" sz="1200" b="0" i="0" kern="1200" dirty="0" smtClean="0">
+              <a:rPr lang="zh-CN" altLang="en-US" sz="1200" b="0" i="0" kern="1200" dirty="0">
                 <a:solidFill>
                   <a:schemeClr val="tx1"/>
                 </a:solidFill>
@@ -659,7 +657,7 @@
               <a:t>）用户界面    泛指用户的操作界面，</a:t>
             </a:r>
             <a:r>
-              <a:rPr lang="en-US" altLang="zh-CN" sz="1200" b="0" i="0" kern="1200" dirty="0" smtClean="0">
+              <a:rPr lang="en-US" altLang="zh-CN" sz="1200" b="0" i="0" kern="1200" dirty="0">
                 <a:solidFill>
                   <a:schemeClr val="tx1"/>
                 </a:solidFill>
@@ -671,7 +669,7 @@
               <a:t>UI</a:t>
             </a:r>
             <a:r>
-              <a:rPr lang="zh-CN" altLang="en-US" sz="1200" b="0" i="0" kern="1200" dirty="0" smtClean="0">
+              <a:rPr lang="zh-CN" altLang="en-US" sz="1200" b="0" i="0" kern="1200" dirty="0">
                 <a:solidFill>
                   <a:schemeClr val="tx1"/>
                 </a:solidFill>
@@ -682,7 +680,7 @@
               </a:rPr>
               <a:t>设计主要指界面的样式，同时包括人机交互、操作逻辑、界面美观的整体设计。</a:t>
             </a:r>
-            <a:endParaRPr lang="en-US" altLang="zh-CN" sz="1200" b="0" i="0" kern="1200" dirty="0" smtClean="0">
+            <a:endParaRPr lang="en-US" altLang="zh-CN" sz="1200" b="0" i="0" kern="1200" dirty="0">
               <a:solidFill>
                 <a:schemeClr val="tx1"/>
               </a:solidFill>
@@ -693,7 +691,7 @@
             </a:endParaRPr>
           </a:p>
           <a:p>
-            <a:endParaRPr lang="en-US" altLang="zh-CN" sz="1200" b="0" i="0" kern="1200" dirty="0" smtClean="0">
+            <a:endParaRPr lang="en-US" altLang="zh-CN" sz="1200" b="0" i="0" kern="1200" dirty="0">
               <a:solidFill>
                 <a:schemeClr val="tx1"/>
               </a:solidFill>
@@ -722,61 +720,61 @@
               <a:defRPr/>
             </a:pPr>
             <a:r>
-              <a:rPr lang="en-US" altLang="zh-CN" sz="1200" dirty="0" smtClean="0">
+              <a:rPr lang="en-US" altLang="zh-CN" sz="1200" dirty="0">
                 <a:latin typeface="微软雅黑" panose="020B0503020204020204" pitchFamily="34" charset="-122"/>
                 <a:ea typeface="微软雅黑" panose="020B0503020204020204" pitchFamily="34" charset="-122"/>
               </a:rPr>
               <a:t>Arduino Yun   </a:t>
             </a:r>
             <a:r>
-              <a:rPr lang="zh-CN" altLang="en-US" sz="1200" dirty="0" smtClean="0">
+              <a:rPr lang="zh-CN" altLang="en-US" sz="1200" dirty="0">
                 <a:latin typeface="微软雅黑" panose="020B0503020204020204" pitchFamily="34" charset="-122"/>
                 <a:ea typeface="微软雅黑" panose="020B0503020204020204" pitchFamily="34" charset="-122"/>
               </a:rPr>
               <a:t>新型的微机，相当于</a:t>
             </a:r>
             <a:r>
-              <a:rPr lang="en-US" altLang="zh-CN" sz="1200" dirty="0" smtClean="0">
+              <a:rPr lang="en-US" altLang="zh-CN" sz="1200" dirty="0">
                 <a:latin typeface="微软雅黑" panose="020B0503020204020204" pitchFamily="34" charset="-122"/>
                 <a:ea typeface="微软雅黑" panose="020B0503020204020204" pitchFamily="34" charset="-122"/>
               </a:rPr>
               <a:t>Arduino+</a:t>
             </a:r>
             <a:r>
-              <a:rPr lang="zh-CN" altLang="en-US" sz="1200" dirty="0" smtClean="0">
+              <a:rPr lang="zh-CN" altLang="en-US" sz="1200" dirty="0">
                 <a:latin typeface="微软雅黑" panose="020B0503020204020204" pitchFamily="34" charset="-122"/>
                 <a:ea typeface="微软雅黑" panose="020B0503020204020204" pitchFamily="34" charset="-122"/>
               </a:rPr>
               <a:t>一个能联网的</a:t>
             </a:r>
             <a:r>
-              <a:rPr lang="en-US" altLang="zh-CN" sz="1200" dirty="0" err="1" smtClean="0">
+              <a:rPr lang="en-US" altLang="zh-CN" sz="1200" dirty="0" err="1">
                 <a:latin typeface="微软雅黑" panose="020B0503020204020204" pitchFamily="34" charset="-122"/>
                 <a:ea typeface="微软雅黑" panose="020B0503020204020204" pitchFamily="34" charset="-122"/>
               </a:rPr>
               <a:t>linux</a:t>
             </a:r>
             <a:r>
-              <a:rPr lang="en-US" altLang="zh-CN" sz="1200" dirty="0" smtClean="0">
+              <a:rPr lang="en-US" altLang="zh-CN" sz="1200" dirty="0">
                 <a:latin typeface="微软雅黑" panose="020B0503020204020204" pitchFamily="34" charset="-122"/>
                 <a:ea typeface="微软雅黑" panose="020B0503020204020204" pitchFamily="34" charset="-122"/>
               </a:rPr>
               <a:t>   </a:t>
             </a:r>
             <a:r>
-              <a:rPr lang="zh-CN" altLang="en-US" sz="1200" dirty="0" smtClean="0">
+              <a:rPr lang="zh-CN" altLang="en-US" sz="1200" dirty="0">
                 <a:latin typeface="微软雅黑" panose="020B0503020204020204" pitchFamily="34" charset="-122"/>
                 <a:ea typeface="微软雅黑" panose="020B0503020204020204" pitchFamily="34" charset="-122"/>
               </a:rPr>
               <a:t>就当做一个能上网的小型计算机</a:t>
             </a:r>
-            <a:endParaRPr lang="en-US" altLang="zh-CN" sz="1200" dirty="0" smtClean="0">
+            <a:endParaRPr lang="en-US" altLang="zh-CN" sz="1200" dirty="0">
               <a:latin typeface="微软雅黑" panose="020B0503020204020204" pitchFamily="34" charset="-122"/>
               <a:ea typeface="微软雅黑" panose="020B0503020204020204" pitchFamily="34" charset="-122"/>
             </a:endParaRPr>
           </a:p>
           <a:p>
-            <a:endParaRPr lang="en-US" altLang="zh-CN" dirty="0" smtClean="0"/>
+            <a:endParaRPr lang="en-US" altLang="zh-CN" dirty="0"/>
           </a:p>
           <a:p>
             <a:pPr marL="0" marR="0" indent="0" algn="l" defTabSz="914400" rtl="0" eaLnBrk="1" fontAlgn="auto" latinLnBrk="0" hangingPunct="1">
@@ -797,48 +795,47 @@
               <a:defRPr/>
             </a:pPr>
             <a:r>
-              <a:rPr lang="en-US" altLang="zh-CN" sz="1200" dirty="0" smtClean="0">
+              <a:rPr lang="en-US" altLang="zh-CN" sz="1200" dirty="0">
                 <a:latin typeface="微软雅黑" panose="020B0503020204020204" pitchFamily="34" charset="-122"/>
                 <a:ea typeface="微软雅黑" panose="020B0503020204020204" pitchFamily="34" charset="-122"/>
               </a:rPr>
               <a:t>Thing </a:t>
             </a:r>
             <a:r>
-              <a:rPr lang="en-US" altLang="zh-CN" sz="1200" dirty="0" err="1" smtClean="0">
+              <a:rPr lang="en-US" altLang="zh-CN" sz="1200" dirty="0" err="1">
                 <a:latin typeface="微软雅黑" panose="020B0503020204020204" pitchFamily="34" charset="-122"/>
                 <a:ea typeface="微软雅黑" panose="020B0503020204020204" pitchFamily="34" charset="-122"/>
               </a:rPr>
               <a:t>Worx</a:t>
             </a:r>
             <a:r>
-              <a:rPr lang="en-US" altLang="zh-CN" sz="1200" dirty="0" smtClean="0">
+              <a:rPr lang="en-US" altLang="zh-CN" sz="1200" dirty="0">
                 <a:latin typeface="微软雅黑" panose="020B0503020204020204" pitchFamily="34" charset="-122"/>
                 <a:ea typeface="微软雅黑" panose="020B0503020204020204" pitchFamily="34" charset="-122"/>
               </a:rPr>
               <a:t> </a:t>
             </a:r>
             <a:r>
-              <a:rPr lang="zh-CN" altLang="en-US" sz="1200" dirty="0" smtClean="0">
+              <a:rPr lang="zh-CN" altLang="en-US" sz="1200" dirty="0">
                 <a:latin typeface="微软雅黑" panose="020B0503020204020204" pitchFamily="34" charset="-122"/>
                 <a:ea typeface="微软雅黑" panose="020B0503020204020204" pitchFamily="34" charset="-122"/>
               </a:rPr>
               <a:t>移动物联网平台，你可以将收集到的数据传到这里，保存并处理</a:t>
             </a:r>
-            <a:endParaRPr lang="zh-CN" altLang="en-US" dirty="0" smtClean="0"/>
-          </a:p>
-          <a:p>
-            <a:endParaRPr lang="en-US" altLang="zh-CN" dirty="0" smtClean="0"/>
-          </a:p>
-          <a:p>
-            <a:r>
-              <a:rPr lang="en-US" altLang="zh-CN" dirty="0" smtClean="0"/>
+            <a:endParaRPr lang="zh-CN" altLang="en-US" dirty="0"/>
+          </a:p>
+          <a:p>
+            <a:endParaRPr lang="en-US" altLang="zh-CN" dirty="0"/>
+          </a:p>
+          <a:p>
+            <a:r>
+              <a:rPr lang="en-US" altLang="zh-CN" dirty="0"/>
               <a:t>Android </a:t>
             </a:r>
             <a:r>
-              <a:rPr lang="zh-CN" altLang="en-US" dirty="0" smtClean="0"/>
+              <a:rPr lang="zh-CN" altLang="en-US" dirty="0"/>
               <a:t>安卓</a:t>
             </a:r>
-            <a:endParaRPr lang="zh-CN" altLang="en-US" dirty="0"/>
           </a:p>
         </p:txBody>
       </p:sp>
@@ -1007,15 +1004,15 @@
           <a:lstStyle/>
           <a:p>
             <a:r>
-              <a:rPr lang="en-US" altLang="zh-CN" dirty="0" smtClean="0"/>
+              <a:rPr lang="en-US" altLang="zh-CN" dirty="0"/>
               <a:t>FAQ</a:t>
             </a:r>
             <a:r>
-              <a:rPr lang="zh-CN" altLang="en-US" dirty="0" smtClean="0"/>
+              <a:rPr lang="zh-CN" altLang="en-US" dirty="0"/>
               <a:t>（</a:t>
             </a:r>
             <a:r>
-              <a:rPr lang="en-US" altLang="zh-CN" sz="1200" b="0" i="0" kern="1200" dirty="0" smtClean="0">
+              <a:rPr lang="en-US" altLang="zh-CN" sz="1200" b="0" i="0" kern="1200" dirty="0">
                 <a:solidFill>
                   <a:schemeClr val="tx1"/>
                 </a:solidFill>
@@ -1027,11 +1024,11 @@
               <a:t>Frequently Asked Questions</a:t>
             </a:r>
             <a:r>
-              <a:rPr lang="zh-CN" altLang="en-US" dirty="0" smtClean="0"/>
+              <a:rPr lang="zh-CN" altLang="en-US" dirty="0"/>
               <a:t>）</a:t>
             </a:r>
             <a:r>
-              <a:rPr lang="zh-CN" altLang="en-US" sz="1200" b="0" i="0" kern="1200" dirty="0" smtClean="0">
+              <a:rPr lang="zh-CN" altLang="en-US" sz="1200" b="0" i="0" kern="1200" dirty="0">
                 <a:solidFill>
                   <a:schemeClr val="tx1"/>
                 </a:solidFill>
@@ -1042,7 +1039,7 @@
               </a:rPr>
               <a:t>经常问到的问题</a:t>
             </a:r>
-            <a:endParaRPr lang="en-US" altLang="zh-CN" sz="1200" b="0" i="0" kern="1200" dirty="0" smtClean="0">
+            <a:endParaRPr lang="en-US" altLang="zh-CN" sz="1200" b="0" i="0" kern="1200" dirty="0">
               <a:solidFill>
                 <a:schemeClr val="tx1"/>
               </a:solidFill>
@@ -1053,7 +1050,7 @@
             </a:endParaRPr>
           </a:p>
           <a:p>
-            <a:endParaRPr lang="en-US" altLang="zh-CN" sz="1200" b="0" i="0" kern="1200" dirty="0" smtClean="0">
+            <a:endParaRPr lang="en-US" altLang="zh-CN" sz="1200" b="0" i="0" kern="1200" dirty="0">
               <a:solidFill>
                 <a:schemeClr val="tx1"/>
               </a:solidFill>
@@ -1065,7 +1062,7 @@
           </a:p>
           <a:p>
             <a:r>
-              <a:rPr lang="en-US" altLang="zh-CN" sz="1200" b="0" i="0" kern="1200" dirty="0" smtClean="0">
+              <a:rPr lang="en-US" altLang="zh-CN" sz="1200" b="0" i="0" kern="1200" dirty="0">
                 <a:solidFill>
                   <a:schemeClr val="tx1"/>
                 </a:solidFill>
@@ -1077,7 +1074,7 @@
               <a:t>API</a:t>
             </a:r>
             <a:r>
-              <a:rPr lang="zh-CN" altLang="en-US" sz="1200" b="0" i="0" kern="1200" dirty="0" smtClean="0">
+              <a:rPr lang="zh-CN" altLang="en-US" sz="1200" b="0" i="0" kern="1200" dirty="0">
                 <a:solidFill>
                   <a:schemeClr val="tx1"/>
                 </a:solidFill>
@@ -1089,7 +1086,7 @@
               <a:t>文档</a:t>
             </a:r>
             <a:r>
-              <a:rPr lang="en-US" altLang="zh-CN" sz="1200" b="0" i="0" kern="1200" dirty="0" smtClean="0">
+              <a:rPr lang="en-US" altLang="zh-CN" sz="1200" b="0" i="0" kern="1200" dirty="0">
                 <a:solidFill>
                   <a:schemeClr val="tx1"/>
                 </a:solidFill>
@@ -1101,7 +1098,7 @@
               <a:t>:</a:t>
             </a:r>
             <a:r>
-              <a:rPr lang="zh-CN" altLang="en-US" sz="1200" b="0" i="0" kern="1200" dirty="0" smtClean="0">
+              <a:rPr lang="zh-CN" altLang="en-US" sz="1200" b="0" i="0" kern="1200" dirty="0">
                 <a:solidFill>
                   <a:schemeClr val="tx1"/>
                 </a:solidFill>
@@ -1112,7 +1109,7 @@
               </a:rPr>
               <a:t>用来帮助使用者和二次开发者理解本软件如何使用</a:t>
             </a:r>
-            <a:endParaRPr lang="en-US" altLang="zh-CN" sz="1200" b="0" i="0" kern="1200" dirty="0" smtClean="0">
+            <a:endParaRPr lang="en-US" altLang="zh-CN" sz="1200" b="0" i="0" kern="1200" dirty="0">
               <a:solidFill>
                 <a:schemeClr val="tx1"/>
               </a:solidFill>
@@ -1123,37 +1120,37 @@
             </a:endParaRPr>
           </a:p>
           <a:p>
-            <a:endParaRPr lang="en-US" altLang="zh-CN" dirty="0" smtClean="0"/>
-          </a:p>
-          <a:p>
-            <a:r>
-              <a:rPr lang="zh-CN" altLang="en-US" dirty="0" smtClean="0"/>
+            <a:endParaRPr lang="en-US" altLang="zh-CN" dirty="0"/>
+          </a:p>
+          <a:p>
+            <a:r>
+              <a:rPr lang="zh-CN" altLang="en-US" dirty="0"/>
               <a:t>问：有什么亮点吗？</a:t>
             </a:r>
-            <a:endParaRPr lang="en-US" altLang="zh-CN" dirty="0" smtClean="0"/>
-          </a:p>
-          <a:p>
-            <a:r>
-              <a:rPr lang="zh-CN" altLang="en-US" dirty="0" smtClean="0"/>
+            <a:endParaRPr lang="en-US" altLang="zh-CN" dirty="0"/>
+          </a:p>
+          <a:p>
+            <a:r>
+              <a:rPr lang="zh-CN" altLang="en-US" dirty="0"/>
               <a:t>答：我们的气象站在异常情况的时候能够提醒管理员</a:t>
             </a:r>
-            <a:endParaRPr lang="en-US" altLang="zh-CN" dirty="0" smtClean="0"/>
-          </a:p>
-          <a:p>
-            <a:endParaRPr lang="en-US" altLang="zh-CN" dirty="0" smtClean="0"/>
-          </a:p>
-          <a:p>
-            <a:r>
-              <a:rPr lang="zh-CN" altLang="en-US" dirty="0" smtClean="0"/>
+            <a:endParaRPr lang="en-US" altLang="zh-CN" dirty="0"/>
+          </a:p>
+          <a:p>
+            <a:endParaRPr lang="en-US" altLang="zh-CN" dirty="0"/>
+          </a:p>
+          <a:p>
+            <a:r>
+              <a:rPr lang="zh-CN" altLang="en-US" dirty="0"/>
               <a:t>需求人群可以再加一个，保存历史数据，通过研究历史数据得到城院的天气情况</a:t>
             </a:r>
-            <a:endParaRPr lang="en-US" altLang="zh-CN" dirty="0" smtClean="0"/>
-          </a:p>
-          <a:p>
-            <a:endParaRPr lang="en-US" altLang="zh-CN" dirty="0" smtClean="0"/>
-          </a:p>
-          <a:p>
-            <a:endParaRPr lang="en-US" altLang="zh-CN" dirty="0" smtClean="0"/>
+            <a:endParaRPr lang="en-US" altLang="zh-CN" dirty="0"/>
+          </a:p>
+          <a:p>
+            <a:endParaRPr lang="en-US" altLang="zh-CN" dirty="0"/>
+          </a:p>
+          <a:p>
+            <a:endParaRPr lang="en-US" altLang="zh-CN" dirty="0"/>
           </a:p>
         </p:txBody>
       </p:sp>
@@ -1238,42 +1235,38 @@
           <a:lstStyle/>
           <a:p>
             <a:r>
-              <a:rPr lang="zh-CN" altLang="en-US" dirty="0" smtClean="0"/>
+              <a:rPr lang="zh-CN" altLang="en-US" dirty="0"/>
               <a:t>对</a:t>
             </a:r>
             <a:r>
-              <a:rPr lang="en-US" altLang="zh-CN" dirty="0" smtClean="0"/>
+              <a:rPr lang="en-US" altLang="zh-CN" dirty="0"/>
               <a:t>Android</a:t>
             </a:r>
             <a:r>
-              <a:rPr lang="zh-CN" altLang="en-US" dirty="0" smtClean="0"/>
+              <a:rPr lang="zh-CN" altLang="en-US" dirty="0"/>
               <a:t>的最低版本有限制</a:t>
             </a:r>
-            <a:endParaRPr lang="en-US" altLang="zh-CN" dirty="0" smtClean="0"/>
-          </a:p>
-          <a:p>
-            <a:endParaRPr lang="en-US" altLang="zh-CN" dirty="0" smtClean="0"/>
-          </a:p>
-          <a:p>
-            <a:r>
-              <a:rPr lang="zh-CN" altLang="en-US" dirty="0" smtClean="0"/>
+            <a:endParaRPr lang="en-US" altLang="zh-CN" dirty="0"/>
+          </a:p>
+          <a:p>
+            <a:endParaRPr lang="en-US" altLang="zh-CN" dirty="0"/>
+          </a:p>
+          <a:p>
+            <a:r>
+              <a:rPr lang="zh-CN" altLang="en-US" dirty="0"/>
               <a:t>同时系统需要至于网络环境下</a:t>
             </a:r>
-            <a:r>
-              <a:rPr lang="en-US" altLang="zh-CN" dirty="0" smtClean="0"/>
-              <a:t/>
-            </a:r>
             <a:br>
-              <a:rPr lang="en-US" altLang="zh-CN" dirty="0" smtClean="0"/>
+              <a:rPr lang="en-US" altLang="zh-CN" dirty="0"/>
             </a:br>
-            <a:endParaRPr lang="en-US" altLang="zh-CN" dirty="0" smtClean="0"/>
-          </a:p>
-          <a:p>
-            <a:r>
-              <a:rPr lang="zh-CN" altLang="en-US" dirty="0" smtClean="0"/>
+            <a:endParaRPr lang="en-US" altLang="zh-CN" dirty="0"/>
+          </a:p>
+          <a:p>
+            <a:r>
+              <a:rPr lang="zh-CN" altLang="en-US" dirty="0"/>
               <a:t>如果提到全年无故障率的话，最有可能故障的时候其实是断电或者是长期断网（网络不稳的时候影响不大，他会从新上传或者更新数据的）</a:t>
             </a:r>
-            <a:endParaRPr lang="en-US" altLang="zh-CN" dirty="0" smtClean="0"/>
+            <a:endParaRPr lang="en-US" altLang="zh-CN" dirty="0"/>
           </a:p>
         </p:txBody>
       </p:sp>
@@ -1358,13 +1351,13 @@
           <a:lstStyle/>
           <a:p>
             <a:r>
-              <a:rPr lang="zh-CN" altLang="en-US" dirty="0" smtClean="0"/>
+              <a:rPr lang="zh-CN" altLang="en-US" dirty="0"/>
               <a:t>以上设备都已经到手</a:t>
             </a:r>
-            <a:endParaRPr lang="en-US" altLang="zh-CN" dirty="0" smtClean="0"/>
-          </a:p>
-          <a:p>
-            <a:endParaRPr lang="en-US" altLang="zh-CN" dirty="0" smtClean="0"/>
+            <a:endParaRPr lang="en-US" altLang="zh-CN" dirty="0"/>
+          </a:p>
+          <a:p>
+            <a:endParaRPr lang="en-US" altLang="zh-CN" dirty="0"/>
           </a:p>
           <a:p>
             <a:pPr marL="0" marR="0" lvl="0" indent="0" algn="l" defTabSz="914400" rtl="0" eaLnBrk="1" fontAlgn="auto" latinLnBrk="0" hangingPunct="1">
@@ -1385,41 +1378,41 @@
               <a:defRPr/>
             </a:pPr>
             <a:r>
-              <a:rPr lang="en-US" altLang="zh-CN" sz="1200" dirty="0" smtClean="0">
+              <a:rPr lang="en-US" altLang="zh-CN" sz="1200" dirty="0">
                 <a:latin typeface="微软雅黑" panose="020B0503020204020204" pitchFamily="34" charset="-122"/>
                 <a:ea typeface="微软雅黑" panose="020B0503020204020204" pitchFamily="34" charset="-122"/>
               </a:rPr>
               <a:t>APRS</a:t>
             </a:r>
             <a:r>
-              <a:rPr lang="zh-CN" altLang="zh-CN" sz="1200" dirty="0" smtClean="0">
+              <a:rPr lang="zh-CN" altLang="zh-CN" sz="1200" dirty="0">
                 <a:latin typeface="微软雅黑" panose="020B0503020204020204" pitchFamily="34" charset="-122"/>
                 <a:ea typeface="微软雅黑" panose="020B0503020204020204" pitchFamily="34" charset="-122"/>
               </a:rPr>
               <a:t>气象站专用接口板</a:t>
             </a:r>
             <a:r>
-              <a:rPr lang="zh-CN" altLang="en-US" sz="1200" dirty="0" smtClean="0">
+              <a:rPr lang="zh-CN" altLang="en-US" sz="1200" dirty="0">
                 <a:latin typeface="微软雅黑" panose="020B0503020204020204" pitchFamily="34" charset="-122"/>
                 <a:ea typeface="微软雅黑" panose="020B0503020204020204" pitchFamily="34" charset="-122"/>
               </a:rPr>
               <a:t>：这东西的作用和你用的网线转</a:t>
             </a:r>
             <a:r>
-              <a:rPr lang="en-US" altLang="zh-CN" sz="1200" dirty="0" smtClean="0">
+              <a:rPr lang="en-US" altLang="zh-CN" sz="1200" dirty="0">
                 <a:latin typeface="微软雅黑" panose="020B0503020204020204" pitchFamily="34" charset="-122"/>
                 <a:ea typeface="微软雅黑" panose="020B0503020204020204" pitchFamily="34" charset="-122"/>
               </a:rPr>
               <a:t>USB</a:t>
             </a:r>
             <a:r>
-              <a:rPr lang="zh-CN" altLang="en-US" sz="1200" dirty="0" smtClean="0">
+              <a:rPr lang="zh-CN" altLang="en-US" sz="1200" dirty="0">
                 <a:latin typeface="微软雅黑" panose="020B0503020204020204" pitchFamily="34" charset="-122"/>
                 <a:ea typeface="微软雅黑" panose="020B0503020204020204" pitchFamily="34" charset="-122"/>
               </a:rPr>
               <a:t>差不多，目的是为了能够让机子读出气象站的数据</a:t>
             </a:r>
-            <a:endParaRPr lang="en-US" altLang="zh-CN" sz="1200" dirty="0" smtClean="0">
+            <a:endParaRPr lang="en-US" altLang="zh-CN" sz="1200" dirty="0">
               <a:latin typeface="微软雅黑" panose="020B0503020204020204" pitchFamily="34" charset="-122"/>
               <a:ea typeface="微软雅黑" panose="020B0503020204020204" pitchFamily="34" charset="-122"/>
             </a:endParaRPr>
@@ -1442,7 +1435,7 @@
               <a:tabLst/>
               <a:defRPr/>
             </a:pPr>
-            <a:endParaRPr lang="zh-CN" altLang="zh-CN" sz="1200" dirty="0" smtClean="0">
+            <a:endParaRPr lang="zh-CN" altLang="zh-CN" sz="1200" dirty="0">
               <a:latin typeface="微软雅黑" panose="020B0503020204020204" pitchFamily="34" charset="-122"/>
               <a:ea typeface="微软雅黑" panose="020B0503020204020204" pitchFamily="34" charset="-122"/>
             </a:endParaRPr>
@@ -1466,109 +1459,105 @@
               <a:defRPr/>
             </a:pPr>
             <a:r>
-              <a:rPr lang="en-US" altLang="zh-CN" sz="1200" dirty="0" smtClean="0">
+              <a:rPr lang="en-US" altLang="zh-CN" sz="1200" dirty="0">
                 <a:latin typeface="微软雅黑" panose="020B0503020204020204" pitchFamily="34" charset="-122"/>
                 <a:ea typeface="微软雅黑" panose="020B0503020204020204" pitchFamily="34" charset="-122"/>
               </a:rPr>
               <a:t>Arduino Yun   </a:t>
             </a:r>
             <a:r>
-              <a:rPr lang="zh-CN" altLang="en-US" sz="1200" dirty="0" smtClean="0">
+              <a:rPr lang="zh-CN" altLang="en-US" sz="1200" dirty="0">
                 <a:latin typeface="微软雅黑" panose="020B0503020204020204" pitchFamily="34" charset="-122"/>
                 <a:ea typeface="微软雅黑" panose="020B0503020204020204" pitchFamily="34" charset="-122"/>
               </a:rPr>
               <a:t>新型的微机，相当于</a:t>
             </a:r>
             <a:r>
-              <a:rPr lang="en-US" altLang="zh-CN" sz="1200" dirty="0" smtClean="0">
+              <a:rPr lang="en-US" altLang="zh-CN" sz="1200" dirty="0">
                 <a:latin typeface="微软雅黑" panose="020B0503020204020204" pitchFamily="34" charset="-122"/>
                 <a:ea typeface="微软雅黑" panose="020B0503020204020204" pitchFamily="34" charset="-122"/>
               </a:rPr>
               <a:t>Arduino+</a:t>
             </a:r>
             <a:r>
-              <a:rPr lang="zh-CN" altLang="en-US" sz="1200" dirty="0" smtClean="0">
+              <a:rPr lang="zh-CN" altLang="en-US" sz="1200" dirty="0">
                 <a:latin typeface="微软雅黑" panose="020B0503020204020204" pitchFamily="34" charset="-122"/>
                 <a:ea typeface="微软雅黑" panose="020B0503020204020204" pitchFamily="34" charset="-122"/>
               </a:rPr>
               <a:t>一个能联网的</a:t>
             </a:r>
             <a:r>
-              <a:rPr lang="en-US" altLang="zh-CN" sz="1200" dirty="0" err="1" smtClean="0">
+              <a:rPr lang="en-US" altLang="zh-CN" sz="1200" dirty="0" err="1">
                 <a:latin typeface="微软雅黑" panose="020B0503020204020204" pitchFamily="34" charset="-122"/>
                 <a:ea typeface="微软雅黑" panose="020B0503020204020204" pitchFamily="34" charset="-122"/>
               </a:rPr>
               <a:t>linux</a:t>
             </a:r>
             <a:r>
-              <a:rPr lang="en-US" altLang="zh-CN" sz="1200" dirty="0" smtClean="0">
+              <a:rPr lang="en-US" altLang="zh-CN" sz="1200" dirty="0">
                 <a:latin typeface="微软雅黑" panose="020B0503020204020204" pitchFamily="34" charset="-122"/>
                 <a:ea typeface="微软雅黑" panose="020B0503020204020204" pitchFamily="34" charset="-122"/>
               </a:rPr>
               <a:t>   </a:t>
             </a:r>
             <a:r>
-              <a:rPr lang="zh-CN" altLang="en-US" sz="1200" dirty="0" smtClean="0">
+              <a:rPr lang="zh-CN" altLang="en-US" sz="1200" dirty="0">
                 <a:latin typeface="微软雅黑" panose="020B0503020204020204" pitchFamily="34" charset="-122"/>
                 <a:ea typeface="微软雅黑" panose="020B0503020204020204" pitchFamily="34" charset="-122"/>
               </a:rPr>
               <a:t>就当做一个能上网的小型计算机</a:t>
             </a:r>
-            <a:endParaRPr lang="en-US" altLang="zh-CN" sz="1200" dirty="0" smtClean="0">
+            <a:endParaRPr lang="en-US" altLang="zh-CN" sz="1200" dirty="0">
               <a:latin typeface="微软雅黑" panose="020B0503020204020204" pitchFamily="34" charset="-122"/>
               <a:ea typeface="微软雅黑" panose="020B0503020204020204" pitchFamily="34" charset="-122"/>
             </a:endParaRPr>
           </a:p>
           <a:p>
-            <a:endParaRPr lang="en-US" altLang="zh-CN" dirty="0" smtClean="0"/>
-          </a:p>
-          <a:p>
-            <a:r>
-              <a:rPr lang="zh-CN" altLang="zh-CN" sz="1200" dirty="0" smtClean="0">
+            <a:endParaRPr lang="en-US" altLang="zh-CN" dirty="0"/>
+          </a:p>
+          <a:p>
+            <a:r>
+              <a:rPr lang="zh-CN" altLang="zh-CN" sz="1200" dirty="0">
                 <a:latin typeface="微软雅黑" panose="020B0503020204020204" pitchFamily="34" charset="-122"/>
                 <a:ea typeface="微软雅黑" panose="020B0503020204020204" pitchFamily="34" charset="-122"/>
               </a:rPr>
               <a:t>面包板</a:t>
             </a:r>
             <a:r>
-              <a:rPr lang="zh-CN" altLang="en-US" sz="1200" dirty="0" smtClean="0">
+              <a:rPr lang="zh-CN" altLang="en-US" sz="1200" dirty="0">
                 <a:latin typeface="微软雅黑" panose="020B0503020204020204" pitchFamily="34" charset="-122"/>
                 <a:ea typeface="微软雅黑" panose="020B0503020204020204" pitchFamily="34" charset="-122"/>
               </a:rPr>
               <a:t>相当于连电路用的板子，在上面插好线就能连通</a:t>
             </a:r>
-            <a:endParaRPr lang="en-US" altLang="zh-CN" sz="1200" dirty="0" smtClean="0">
+            <a:endParaRPr lang="en-US" altLang="zh-CN" sz="1200" dirty="0">
               <a:latin typeface="微软雅黑" panose="020B0503020204020204" pitchFamily="34" charset="-122"/>
               <a:ea typeface="微软雅黑" panose="020B0503020204020204" pitchFamily="34" charset="-122"/>
             </a:endParaRPr>
           </a:p>
           <a:p>
-            <a:endParaRPr lang="en-US" altLang="zh-CN" sz="1200" dirty="0" smtClean="0">
+            <a:endParaRPr lang="en-US" altLang="zh-CN" sz="1200" dirty="0">
               <a:latin typeface="微软雅黑" panose="020B0503020204020204" pitchFamily="34" charset="-122"/>
               <a:ea typeface="微软雅黑" panose="020B0503020204020204" pitchFamily="34" charset="-122"/>
             </a:endParaRPr>
           </a:p>
           <a:p>
             <a:r>
-              <a:rPr lang="zh-CN" altLang="en-US" dirty="0" smtClean="0"/>
-              <a:t>杜邦线就是有插头的</a:t>
-            </a:r>
-            <a:r>
-              <a:rPr lang="zh-CN" altLang="en-US" dirty="0" smtClean="0"/>
-              <a:t>铜线</a:t>
-            </a:r>
-            <a:endParaRPr lang="en-US" altLang="zh-CN" dirty="0" smtClean="0"/>
-          </a:p>
-          <a:p>
-            <a:endParaRPr lang="en-US" altLang="zh-CN" dirty="0" smtClean="0"/>
-          </a:p>
-          <a:p>
-            <a:r>
-              <a:rPr lang="en-US" altLang="zh-CN" dirty="0" smtClean="0"/>
+              <a:rPr lang="zh-CN" altLang="en-US" dirty="0"/>
+              <a:t>杜邦线就是有插头的铜线</a:t>
+            </a:r>
+            <a:endParaRPr lang="en-US" altLang="zh-CN" dirty="0"/>
+          </a:p>
+          <a:p>
+            <a:endParaRPr lang="en-US" altLang="zh-CN" dirty="0"/>
+          </a:p>
+          <a:p>
+            <a:r>
+              <a:rPr lang="en-US" altLang="zh-CN" dirty="0"/>
               <a:t>APRS</a:t>
             </a:r>
             <a:r>
-              <a:rPr lang="zh-CN" altLang="en-US" sz="1200" b="0" i="0" kern="1200" dirty="0" smtClean="0">
+              <a:rPr lang="zh-CN" altLang="en-US" sz="1200" b="0" i="0" kern="1200" dirty="0">
                 <a:solidFill>
                   <a:schemeClr val="tx1"/>
                 </a:solidFill>
@@ -1577,10 +1566,10 @@
                 <a:ea typeface="+mn-ea"/>
                 <a:cs typeface="+mn-cs"/>
               </a:rPr>
-              <a:t>自动位置报告系统  </a:t>
-            </a:r>
-            <a:r>
-              <a:rPr lang="en-US" altLang="zh-CN" sz="1200" b="0" i="0" kern="1200" dirty="0" smtClean="0">
+              <a:t>格式 是一种固定的数据传输模式，比如</a:t>
+            </a:r>
+            <a:r>
+              <a:rPr lang="en-US" altLang="zh-CN" sz="1200" b="0" i="0" kern="1200" dirty="0">
                 <a:solidFill>
                   <a:schemeClr val="tx1"/>
                 </a:solidFill>
@@ -1589,7 +1578,19 @@
                 <a:ea typeface="+mn-ea"/>
                 <a:cs typeface="+mn-cs"/>
               </a:rPr>
-              <a:t>Automatic Position Reporting System</a:t>
+              <a:t>c00</a:t>
+            </a:r>
+            <a:r>
+              <a:rPr lang="zh-CN" altLang="en-US" sz="1200" b="0" i="0" kern="1200" dirty="0">
+                <a:solidFill>
+                  <a:schemeClr val="tx1"/>
+                </a:solidFill>
+                <a:effectLst/>
+                <a:latin typeface="+mn-lt"/>
+                <a:ea typeface="+mn-ea"/>
+                <a:cs typeface="+mn-cs"/>
+              </a:rPr>
+              <a:t>表示风向等等</a:t>
             </a:r>
             <a:endParaRPr lang="zh-CN" altLang="en-US" dirty="0"/>
           </a:p>
@@ -1676,129 +1677,129 @@
           <a:lstStyle/>
           <a:p>
             <a:r>
-              <a:rPr lang="en-US" altLang="zh-CN" sz="1200" dirty="0" smtClean="0">
+              <a:rPr lang="en-US" altLang="zh-CN" sz="1200" dirty="0">
                 <a:latin typeface="微软雅黑" panose="020B0503020204020204" pitchFamily="34" charset="-122"/>
                 <a:ea typeface="微软雅黑" panose="020B0503020204020204" pitchFamily="34" charset="-122"/>
               </a:rPr>
               <a:t>Arduino Yun   </a:t>
             </a:r>
             <a:r>
-              <a:rPr lang="zh-CN" altLang="en-US" sz="1200" dirty="0" smtClean="0">
+              <a:rPr lang="zh-CN" altLang="en-US" sz="1200" dirty="0">
                 <a:latin typeface="微软雅黑" panose="020B0503020204020204" pitchFamily="34" charset="-122"/>
                 <a:ea typeface="微软雅黑" panose="020B0503020204020204" pitchFamily="34" charset="-122"/>
               </a:rPr>
               <a:t>新型的微机，相当于</a:t>
             </a:r>
             <a:r>
-              <a:rPr lang="en-US" altLang="zh-CN" sz="1200" dirty="0" smtClean="0">
+              <a:rPr lang="en-US" altLang="zh-CN" sz="1200" dirty="0">
                 <a:latin typeface="微软雅黑" panose="020B0503020204020204" pitchFamily="34" charset="-122"/>
                 <a:ea typeface="微软雅黑" panose="020B0503020204020204" pitchFamily="34" charset="-122"/>
               </a:rPr>
               <a:t>Arduino+</a:t>
             </a:r>
             <a:r>
-              <a:rPr lang="zh-CN" altLang="en-US" sz="1200" dirty="0" smtClean="0">
+              <a:rPr lang="zh-CN" altLang="en-US" sz="1200" dirty="0">
                 <a:latin typeface="微软雅黑" panose="020B0503020204020204" pitchFamily="34" charset="-122"/>
                 <a:ea typeface="微软雅黑" panose="020B0503020204020204" pitchFamily="34" charset="-122"/>
               </a:rPr>
               <a:t>一个能联网的</a:t>
             </a:r>
             <a:r>
-              <a:rPr lang="en-US" altLang="zh-CN" sz="1200" dirty="0" err="1" smtClean="0">
+              <a:rPr lang="en-US" altLang="zh-CN" sz="1200" dirty="0" err="1">
                 <a:latin typeface="微软雅黑" panose="020B0503020204020204" pitchFamily="34" charset="-122"/>
                 <a:ea typeface="微软雅黑" panose="020B0503020204020204" pitchFamily="34" charset="-122"/>
               </a:rPr>
               <a:t>linux</a:t>
             </a:r>
             <a:r>
-              <a:rPr lang="en-US" altLang="zh-CN" sz="1200" dirty="0" smtClean="0">
+              <a:rPr lang="en-US" altLang="zh-CN" sz="1200" dirty="0">
                 <a:latin typeface="微软雅黑" panose="020B0503020204020204" pitchFamily="34" charset="-122"/>
                 <a:ea typeface="微软雅黑" panose="020B0503020204020204" pitchFamily="34" charset="-122"/>
               </a:rPr>
               <a:t>   </a:t>
             </a:r>
             <a:r>
-              <a:rPr lang="zh-CN" altLang="en-US" sz="1200" dirty="0" smtClean="0">
+              <a:rPr lang="zh-CN" altLang="en-US" sz="1200" dirty="0">
                 <a:latin typeface="微软雅黑" panose="020B0503020204020204" pitchFamily="34" charset="-122"/>
                 <a:ea typeface="微软雅黑" panose="020B0503020204020204" pitchFamily="34" charset="-122"/>
               </a:rPr>
               <a:t>就当做一个能上网的小型计算机</a:t>
             </a:r>
-            <a:endParaRPr lang="en-US" altLang="zh-CN" sz="1200" dirty="0" smtClean="0">
+            <a:endParaRPr lang="en-US" altLang="zh-CN" sz="1200" dirty="0">
               <a:latin typeface="微软雅黑" panose="020B0503020204020204" pitchFamily="34" charset="-122"/>
               <a:ea typeface="微软雅黑" panose="020B0503020204020204" pitchFamily="34" charset="-122"/>
             </a:endParaRPr>
           </a:p>
           <a:p>
-            <a:endParaRPr lang="en-US" altLang="zh-CN" sz="1200" dirty="0" smtClean="0">
+            <a:endParaRPr lang="en-US" altLang="zh-CN" sz="1200" dirty="0">
               <a:latin typeface="微软雅黑" panose="020B0503020204020204" pitchFamily="34" charset="-122"/>
               <a:ea typeface="微软雅黑" panose="020B0503020204020204" pitchFamily="34" charset="-122"/>
             </a:endParaRPr>
           </a:p>
           <a:p>
             <a:r>
-              <a:rPr lang="en-US" altLang="zh-CN" sz="1200" dirty="0" smtClean="0">
+              <a:rPr lang="en-US" altLang="zh-CN" sz="1200" dirty="0">
                 <a:latin typeface="微软雅黑" panose="020B0503020204020204" pitchFamily="34" charset="-122"/>
                 <a:ea typeface="微软雅黑" panose="020B0503020204020204" pitchFamily="34" charset="-122"/>
               </a:rPr>
               <a:t>Thing </a:t>
             </a:r>
             <a:r>
-              <a:rPr lang="en-US" altLang="zh-CN" sz="1200" dirty="0" err="1" smtClean="0">
+              <a:rPr lang="en-US" altLang="zh-CN" sz="1200" dirty="0" err="1">
                 <a:latin typeface="微软雅黑" panose="020B0503020204020204" pitchFamily="34" charset="-122"/>
                 <a:ea typeface="微软雅黑" panose="020B0503020204020204" pitchFamily="34" charset="-122"/>
               </a:rPr>
               <a:t>Worx</a:t>
             </a:r>
             <a:r>
-              <a:rPr lang="en-US" altLang="zh-CN" sz="1200" dirty="0" smtClean="0">
+              <a:rPr lang="en-US" altLang="zh-CN" sz="1200" dirty="0">
                 <a:latin typeface="微软雅黑" panose="020B0503020204020204" pitchFamily="34" charset="-122"/>
                 <a:ea typeface="微软雅黑" panose="020B0503020204020204" pitchFamily="34" charset="-122"/>
               </a:rPr>
               <a:t> </a:t>
             </a:r>
             <a:r>
-              <a:rPr lang="zh-CN" altLang="en-US" sz="1200" dirty="0" smtClean="0">
+              <a:rPr lang="zh-CN" altLang="en-US" sz="1200" dirty="0">
                 <a:latin typeface="微软雅黑" panose="020B0503020204020204" pitchFamily="34" charset="-122"/>
                 <a:ea typeface="微软雅黑" panose="020B0503020204020204" pitchFamily="34" charset="-122"/>
               </a:rPr>
               <a:t>移动物联网平台，你可以将收集到的数据传到这里，保存并处理</a:t>
             </a:r>
-            <a:endParaRPr lang="en-US" altLang="zh-CN" sz="1200" dirty="0" smtClean="0">
+            <a:endParaRPr lang="en-US" altLang="zh-CN" sz="1200" dirty="0">
               <a:latin typeface="微软雅黑" panose="020B0503020204020204" pitchFamily="34" charset="-122"/>
               <a:ea typeface="微软雅黑" panose="020B0503020204020204" pitchFamily="34" charset="-122"/>
             </a:endParaRPr>
           </a:p>
           <a:p>
-            <a:endParaRPr lang="en-US" altLang="zh-CN" sz="1200" dirty="0" smtClean="0">
+            <a:endParaRPr lang="en-US" altLang="zh-CN" sz="1200" dirty="0">
               <a:latin typeface="微软雅黑" panose="020B0503020204020204" pitchFamily="34" charset="-122"/>
               <a:ea typeface="微软雅黑" panose="020B0503020204020204" pitchFamily="34" charset="-122"/>
             </a:endParaRPr>
           </a:p>
           <a:p>
             <a:r>
-              <a:rPr lang="en-US" altLang="zh-CN" sz="1200" dirty="0" smtClean="0">
+              <a:rPr lang="en-US" altLang="zh-CN" sz="1200" dirty="0">
                 <a:latin typeface="微软雅黑" panose="020B0503020204020204" pitchFamily="34" charset="-122"/>
                 <a:ea typeface="微软雅黑" panose="020B0503020204020204" pitchFamily="34" charset="-122"/>
               </a:rPr>
               <a:t>REST API </a:t>
             </a:r>
             <a:r>
-              <a:rPr lang="en-US" altLang="zh-CN" sz="1200" baseline="0" dirty="0" smtClean="0">
+              <a:rPr lang="en-US" altLang="zh-CN" sz="1200" baseline="0" dirty="0">
                 <a:latin typeface="微软雅黑" panose="020B0503020204020204" pitchFamily="34" charset="-122"/>
                 <a:ea typeface="微软雅黑" panose="020B0503020204020204" pitchFamily="34" charset="-122"/>
               </a:rPr>
               <a:t> </a:t>
             </a:r>
             <a:r>
-              <a:rPr lang="zh-CN" altLang="en-US" sz="1200" baseline="0" dirty="0" smtClean="0">
+              <a:rPr lang="zh-CN" altLang="en-US" sz="1200" baseline="0" dirty="0">
                 <a:latin typeface="微软雅黑" panose="020B0503020204020204" pitchFamily="34" charset="-122"/>
                 <a:ea typeface="微软雅黑" panose="020B0503020204020204" pitchFamily="34" charset="-122"/>
               </a:rPr>
               <a:t>是</a:t>
             </a:r>
             <a:r>
-              <a:rPr lang="zh-CN" altLang="en-US" sz="1200" b="0" i="0" kern="1200" dirty="0" smtClean="0">
+              <a:rPr lang="zh-CN" altLang="en-US" sz="1200" b="0" i="0" kern="1200" dirty="0">
                 <a:solidFill>
                   <a:schemeClr val="tx1"/>
                 </a:solidFill>
@@ -1810,7 +1811,7 @@
               <a:t>一种基于</a:t>
             </a:r>
             <a:r>
-              <a:rPr lang="en-US" altLang="zh-CN" sz="1200" b="0" i="0" kern="1200" dirty="0" smtClean="0">
+              <a:rPr lang="en-US" altLang="zh-CN" sz="1200" b="0" i="0" kern="1200" dirty="0">
                 <a:solidFill>
                   <a:schemeClr val="tx1"/>
                 </a:solidFill>
@@ -1822,7 +1823,7 @@
               <a:t>Http</a:t>
             </a:r>
             <a:r>
-              <a:rPr lang="zh-CN" altLang="en-US" sz="1200" b="0" i="0" kern="1200" dirty="0" smtClean="0">
+              <a:rPr lang="zh-CN" altLang="en-US" sz="1200" b="0" i="0" kern="1200" dirty="0">
                 <a:solidFill>
                   <a:schemeClr val="tx1"/>
                 </a:solidFill>
@@ -1935,54 +1936,54 @@
               <a:defRPr/>
             </a:pPr>
             <a:r>
-              <a:rPr lang="en-US" altLang="zh-CN" sz="1200" dirty="0" smtClean="0">
+              <a:rPr lang="en-US" altLang="zh-CN" sz="1200" dirty="0">
                 <a:latin typeface="微软雅黑" panose="020B0503020204020204" pitchFamily="34" charset="-122"/>
                 <a:ea typeface="微软雅黑" panose="020B0503020204020204" pitchFamily="34" charset="-122"/>
               </a:rPr>
               <a:t>Thing </a:t>
             </a:r>
             <a:r>
-              <a:rPr lang="en-US" altLang="zh-CN" sz="1200" dirty="0" err="1" smtClean="0">
+              <a:rPr lang="en-US" altLang="zh-CN" sz="1200" dirty="0" err="1">
                 <a:latin typeface="微软雅黑" panose="020B0503020204020204" pitchFamily="34" charset="-122"/>
                 <a:ea typeface="微软雅黑" panose="020B0503020204020204" pitchFamily="34" charset="-122"/>
               </a:rPr>
               <a:t>Worx</a:t>
             </a:r>
             <a:r>
-              <a:rPr lang="en-US" altLang="zh-CN" sz="1200" dirty="0" smtClean="0">
+              <a:rPr lang="en-US" altLang="zh-CN" sz="1200" dirty="0">
                 <a:latin typeface="微软雅黑" panose="020B0503020204020204" pitchFamily="34" charset="-122"/>
                 <a:ea typeface="微软雅黑" panose="020B0503020204020204" pitchFamily="34" charset="-122"/>
               </a:rPr>
               <a:t> </a:t>
             </a:r>
             <a:r>
-              <a:rPr lang="zh-CN" altLang="en-US" sz="1200" dirty="0" smtClean="0">
+              <a:rPr lang="zh-CN" altLang="en-US" sz="1200" dirty="0">
                 <a:latin typeface="微软雅黑" panose="020B0503020204020204" pitchFamily="34" charset="-122"/>
                 <a:ea typeface="微软雅黑" panose="020B0503020204020204" pitchFamily="34" charset="-122"/>
               </a:rPr>
               <a:t>移动物联网平台，你可以将收集到的数据传到这里，保存并处理</a:t>
             </a:r>
-            <a:endParaRPr lang="zh-CN" altLang="en-US" dirty="0" smtClean="0"/>
-          </a:p>
-          <a:p>
-            <a:endParaRPr lang="en-US" altLang="zh-CN" dirty="0" smtClean="0"/>
-          </a:p>
-          <a:p>
-            <a:r>
-              <a:rPr lang="zh-CN" altLang="en-US" dirty="0" smtClean="0"/>
+            <a:endParaRPr lang="zh-CN" altLang="en-US" dirty="0"/>
+          </a:p>
+          <a:p>
+            <a:endParaRPr lang="en-US" altLang="zh-CN" dirty="0"/>
+          </a:p>
+          <a:p>
+            <a:r>
+              <a:rPr lang="zh-CN" altLang="en-US" dirty="0"/>
               <a:t>怎么样做二次处理呢，就是把它换算成坐标系识别的内容，显示在屏幕上</a:t>
             </a:r>
-            <a:endParaRPr lang="en-US" altLang="zh-CN" dirty="0" smtClean="0"/>
-          </a:p>
-          <a:p>
-            <a:endParaRPr lang="en-US" altLang="zh-CN" dirty="0" smtClean="0"/>
-          </a:p>
-          <a:p>
-            <a:r>
-              <a:rPr lang="zh-CN" altLang="en-US" dirty="0" smtClean="0"/>
+            <a:endParaRPr lang="en-US" altLang="zh-CN" dirty="0"/>
+          </a:p>
+          <a:p>
+            <a:endParaRPr lang="en-US" altLang="zh-CN" dirty="0"/>
+          </a:p>
+          <a:p>
+            <a:r>
+              <a:rPr lang="zh-CN" altLang="en-US" dirty="0"/>
               <a:t>人性化的界面设计：大概就是一样能看到所有的数据，并且有一个按键能够轻松的转换到历史数据</a:t>
             </a:r>
-            <a:endParaRPr lang="en-US" altLang="zh-CN" dirty="0" smtClean="0"/>
+            <a:endParaRPr lang="en-US" altLang="zh-CN" dirty="0"/>
           </a:p>
         </p:txBody>
       </p:sp>
@@ -2084,34 +2085,34 @@
               <a:defRPr/>
             </a:pPr>
             <a:r>
-              <a:rPr lang="en-US" altLang="zh-CN" sz="1200" dirty="0" smtClean="0">
+              <a:rPr lang="en-US" altLang="zh-CN" sz="1200" dirty="0">
                 <a:latin typeface="微软雅黑" panose="020B0503020204020204" pitchFamily="34" charset="-122"/>
                 <a:ea typeface="微软雅黑" panose="020B0503020204020204" pitchFamily="34" charset="-122"/>
               </a:rPr>
               <a:t>Thing </a:t>
             </a:r>
             <a:r>
-              <a:rPr lang="en-US" altLang="zh-CN" sz="1200" dirty="0" err="1" smtClean="0">
+              <a:rPr lang="en-US" altLang="zh-CN" sz="1200" dirty="0" err="1">
                 <a:latin typeface="微软雅黑" panose="020B0503020204020204" pitchFamily="34" charset="-122"/>
                 <a:ea typeface="微软雅黑" panose="020B0503020204020204" pitchFamily="34" charset="-122"/>
               </a:rPr>
               <a:t>Worx</a:t>
             </a:r>
             <a:r>
-              <a:rPr lang="en-US" altLang="zh-CN" sz="1200" dirty="0" smtClean="0">
+              <a:rPr lang="en-US" altLang="zh-CN" sz="1200" dirty="0">
                 <a:latin typeface="微软雅黑" panose="020B0503020204020204" pitchFamily="34" charset="-122"/>
                 <a:ea typeface="微软雅黑" panose="020B0503020204020204" pitchFamily="34" charset="-122"/>
               </a:rPr>
               <a:t> </a:t>
             </a:r>
             <a:r>
-              <a:rPr lang="zh-CN" altLang="en-US" sz="1200" dirty="0" smtClean="0">
+              <a:rPr lang="zh-CN" altLang="en-US" sz="1200" dirty="0">
                 <a:latin typeface="微软雅黑" panose="020B0503020204020204" pitchFamily="34" charset="-122"/>
                 <a:ea typeface="微软雅黑" panose="020B0503020204020204" pitchFamily="34" charset="-122"/>
               </a:rPr>
               <a:t>移动物联网平台，你可以将收集到的数据传到这里，保存并处理</a:t>
             </a:r>
-            <a:endParaRPr lang="zh-CN" altLang="en-US" dirty="0" smtClean="0"/>
+            <a:endParaRPr lang="zh-CN" altLang="en-US" dirty="0"/>
           </a:p>
           <a:p>
             <a:pPr marL="0" marR="0" indent="0" algn="l" defTabSz="914400" rtl="0" eaLnBrk="1" fontAlgn="auto" latinLnBrk="0" hangingPunct="1">
@@ -2131,7 +2132,7 @@
               <a:tabLst/>
               <a:defRPr/>
             </a:pPr>
-            <a:endParaRPr lang="en-US" altLang="zh-CN" sz="1200" dirty="0" smtClean="0">
+            <a:endParaRPr lang="en-US" altLang="zh-CN" sz="1200" dirty="0">
               <a:latin typeface="微软雅黑" panose="020B0503020204020204" pitchFamily="34" charset="-122"/>
               <a:ea typeface="微软雅黑" panose="020B0503020204020204" pitchFamily="34" charset="-122"/>
             </a:endParaRPr>
@@ -2155,20 +2156,20 @@
               <a:defRPr/>
             </a:pPr>
             <a:r>
-              <a:rPr lang="en-US" altLang="zh-CN" sz="1200" dirty="0" smtClean="0">
+              <a:rPr lang="en-US" altLang="zh-CN" sz="1200" dirty="0">
                 <a:latin typeface="微软雅黑" panose="020B0503020204020204" pitchFamily="34" charset="-122"/>
                 <a:ea typeface="微软雅黑" panose="020B0503020204020204" pitchFamily="34" charset="-122"/>
               </a:rPr>
               <a:t>Service</a:t>
             </a:r>
             <a:r>
-              <a:rPr lang="zh-CN" altLang="en-US" sz="1200" dirty="0" smtClean="0">
+              <a:rPr lang="zh-CN" altLang="en-US" sz="1200" dirty="0">
                 <a:latin typeface="微软雅黑" panose="020B0503020204020204" pitchFamily="34" charset="-122"/>
                 <a:ea typeface="微软雅黑" panose="020B0503020204020204" pitchFamily="34" charset="-122"/>
               </a:rPr>
               <a:t>服务 ，有点像数据库，把所有的数据都保存了下来，能够通过请求回传数据  </a:t>
             </a:r>
-            <a:endParaRPr lang="en-US" altLang="zh-CN" sz="1200" dirty="0" smtClean="0">
+            <a:endParaRPr lang="en-US" altLang="zh-CN" sz="1200" dirty="0">
               <a:latin typeface="微软雅黑" panose="020B0503020204020204" pitchFamily="34" charset="-122"/>
               <a:ea typeface="微软雅黑" panose="020B0503020204020204" pitchFamily="34" charset="-122"/>
             </a:endParaRPr>
@@ -2259,84 +2260,80 @@
           <a:lstStyle/>
           <a:p>
             <a:r>
-              <a:rPr lang="zh-CN" altLang="en-US" dirty="0" smtClean="0"/>
+              <a:rPr lang="zh-CN" altLang="en-US" dirty="0"/>
               <a:t>通过气象站传感器收集气象信息，将数据传到</a:t>
             </a:r>
             <a:r>
-              <a:rPr lang="en-US" altLang="zh-CN" dirty="0" err="1" smtClean="0"/>
+              <a:rPr lang="en-US" altLang="zh-CN" dirty="0" err="1"/>
               <a:t>ArduinoYun</a:t>
             </a:r>
             <a:r>
-              <a:rPr lang="zh-CN" altLang="en-US" dirty="0" smtClean="0"/>
+              <a:rPr lang="zh-CN" altLang="en-US" dirty="0"/>
               <a:t>，</a:t>
             </a:r>
             <a:r>
-              <a:rPr lang="en-US" altLang="zh-CN" dirty="0" err="1" smtClean="0"/>
+              <a:rPr lang="en-US" altLang="zh-CN" dirty="0" err="1"/>
               <a:t>ArduinoYun</a:t>
             </a:r>
             <a:r>
-              <a:rPr lang="zh-CN" altLang="en-US" dirty="0" smtClean="0"/>
+              <a:rPr lang="zh-CN" altLang="en-US" dirty="0"/>
               <a:t>将传过来的数据进行加工后上传到</a:t>
             </a:r>
             <a:r>
-              <a:rPr lang="en-US" altLang="zh-CN" dirty="0" err="1" smtClean="0"/>
+              <a:rPr lang="en-US" altLang="zh-CN" dirty="0" err="1"/>
               <a:t>ThingWorx</a:t>
             </a:r>
             <a:r>
-              <a:rPr lang="zh-CN" altLang="en-US" dirty="0" smtClean="0"/>
+              <a:rPr lang="zh-CN" altLang="en-US" dirty="0"/>
               <a:t>平台，并把这些数据显示在</a:t>
             </a:r>
             <a:r>
-              <a:rPr lang="en-US" altLang="zh-CN" dirty="0" smtClean="0"/>
+              <a:rPr lang="en-US" altLang="zh-CN" dirty="0"/>
               <a:t>Android</a:t>
             </a:r>
             <a:r>
-              <a:rPr lang="zh-CN" altLang="en-US" dirty="0" smtClean="0"/>
+              <a:rPr lang="zh-CN" altLang="en-US" dirty="0"/>
               <a:t>上</a:t>
             </a:r>
-            <a:endParaRPr lang="en-US" altLang="zh-CN" dirty="0" smtClean="0"/>
-          </a:p>
-          <a:p>
-            <a:endParaRPr lang="en-US" altLang="zh-CN" dirty="0" smtClean="0"/>
-          </a:p>
-          <a:p>
-            <a:r>
-              <a:rPr lang="zh-CN" altLang="en-US" dirty="0" smtClean="0"/>
+            <a:endParaRPr lang="en-US" altLang="zh-CN" dirty="0"/>
+          </a:p>
+          <a:p>
+            <a:endParaRPr lang="en-US" altLang="zh-CN" dirty="0"/>
+          </a:p>
+          <a:p>
+            <a:r>
+              <a:rPr lang="zh-CN" altLang="en-US" dirty="0"/>
               <a:t>怎么加工的：将字符串数据进行处理，以某种格式发送</a:t>
             </a:r>
-            <a:endParaRPr lang="en-US" altLang="zh-CN" dirty="0" smtClean="0"/>
-          </a:p>
-          <a:p>
-            <a:endParaRPr lang="en-US" altLang="zh-CN" dirty="0" smtClean="0"/>
-          </a:p>
-          <a:p>
-            <a:r>
-              <a:rPr lang="zh-CN" altLang="en-US" dirty="0" smtClean="0"/>
+            <a:endParaRPr lang="en-US" altLang="zh-CN" dirty="0"/>
+          </a:p>
+          <a:p>
+            <a:endParaRPr lang="en-US" altLang="zh-CN" dirty="0"/>
+          </a:p>
+          <a:p>
+            <a:r>
+              <a:rPr lang="zh-CN" altLang="en-US" dirty="0"/>
               <a:t>问：怎么传的？ </a:t>
             </a:r>
-            <a:endParaRPr lang="en-US" altLang="zh-CN" dirty="0" smtClean="0"/>
-          </a:p>
-          <a:p>
-            <a:r>
-              <a:rPr lang="zh-CN" altLang="en-US" dirty="0" smtClean="0"/>
+            <a:endParaRPr lang="en-US" altLang="zh-CN" dirty="0"/>
+          </a:p>
+          <a:p>
+            <a:r>
+              <a:rPr lang="zh-CN" altLang="en-US" dirty="0"/>
               <a:t>答：数据通过</a:t>
             </a:r>
             <a:r>
-              <a:rPr lang="en-US" altLang="zh-CN" dirty="0" smtClean="0"/>
+              <a:rPr lang="en-US" altLang="zh-CN" dirty="0"/>
               <a:t>REST</a:t>
             </a:r>
             <a:r>
-              <a:rPr lang="zh-CN" altLang="en-US" dirty="0" smtClean="0"/>
-              <a:t>的方法以字符串的形式传递</a:t>
-            </a:r>
-            <a:r>
-              <a:rPr lang="zh-CN" altLang="en-US" dirty="0" smtClean="0"/>
-              <a:t>。</a:t>
-            </a:r>
-            <a:endParaRPr lang="en-US" altLang="zh-CN" dirty="0" smtClean="0"/>
-          </a:p>
-          <a:p>
-            <a:endParaRPr lang="en-US" altLang="zh-CN" dirty="0" smtClean="0"/>
+              <a:rPr lang="zh-CN" altLang="en-US" dirty="0"/>
+              <a:t>的方法以字符串的形式传递。</a:t>
+            </a:r>
+            <a:endParaRPr lang="en-US" altLang="zh-CN" dirty="0"/>
+          </a:p>
+          <a:p>
+            <a:endParaRPr lang="en-US" altLang="zh-CN" dirty="0"/>
           </a:p>
           <a:p>
             <a:pPr marL="0" marR="0" indent="0" algn="l" defTabSz="914400" rtl="0" eaLnBrk="1" fontAlgn="auto" latinLnBrk="0" hangingPunct="1">
@@ -2357,28 +2354,28 @@
               <a:defRPr/>
             </a:pPr>
             <a:r>
-              <a:rPr lang="en-US" altLang="zh-CN" sz="1200" dirty="0" smtClean="0">
+              <a:rPr lang="en-US" altLang="zh-CN" sz="1200" dirty="0">
                 <a:latin typeface="微软雅黑" panose="020B0503020204020204" pitchFamily="34" charset="-122"/>
                 <a:ea typeface="微软雅黑" panose="020B0503020204020204" pitchFamily="34" charset="-122"/>
               </a:rPr>
               <a:t>REST API </a:t>
             </a:r>
             <a:r>
-              <a:rPr lang="en-US" altLang="zh-CN" sz="1200" baseline="0" dirty="0" smtClean="0">
+              <a:rPr lang="en-US" altLang="zh-CN" sz="1200" baseline="0" dirty="0">
                 <a:latin typeface="微软雅黑" panose="020B0503020204020204" pitchFamily="34" charset="-122"/>
                 <a:ea typeface="微软雅黑" panose="020B0503020204020204" pitchFamily="34" charset="-122"/>
               </a:rPr>
               <a:t> </a:t>
             </a:r>
             <a:r>
-              <a:rPr lang="zh-CN" altLang="en-US" sz="1200" baseline="0" dirty="0" smtClean="0">
+              <a:rPr lang="zh-CN" altLang="en-US" sz="1200" baseline="0" dirty="0">
                 <a:latin typeface="微软雅黑" panose="020B0503020204020204" pitchFamily="34" charset="-122"/>
                 <a:ea typeface="微软雅黑" panose="020B0503020204020204" pitchFamily="34" charset="-122"/>
               </a:rPr>
               <a:t>是</a:t>
             </a:r>
             <a:r>
-              <a:rPr lang="zh-CN" altLang="en-US" sz="1200" b="0" i="0" kern="1200" dirty="0" smtClean="0">
+              <a:rPr lang="zh-CN" altLang="en-US" sz="1200" b="0" i="0" kern="1200" dirty="0">
                 <a:solidFill>
                   <a:schemeClr val="tx1"/>
                 </a:solidFill>
@@ -2390,7 +2387,7 @@
               <a:t>一种基于</a:t>
             </a:r>
             <a:r>
-              <a:rPr lang="en-US" altLang="zh-CN" sz="1200" b="0" i="0" kern="1200" dirty="0" smtClean="0">
+              <a:rPr lang="en-US" altLang="zh-CN" sz="1200" b="0" i="0" kern="1200" dirty="0">
                 <a:solidFill>
                   <a:schemeClr val="tx1"/>
                 </a:solidFill>
@@ -2402,7 +2399,7 @@
               <a:t>Http</a:t>
             </a:r>
             <a:r>
-              <a:rPr lang="zh-CN" altLang="en-US" sz="1200" b="0" i="0" kern="1200" dirty="0" smtClean="0">
+              <a:rPr lang="zh-CN" altLang="en-US" sz="1200" b="0" i="0" kern="1200" dirty="0">
                 <a:solidFill>
                   <a:schemeClr val="tx1"/>
                 </a:solidFill>
@@ -2413,16 +2410,16 @@
               </a:rPr>
               <a:t>协议实现资源操作的思想，别人已经写好包了，我们只要会用就行</a:t>
             </a:r>
-            <a:endParaRPr lang="zh-CN" altLang="en-US" dirty="0" smtClean="0"/>
-          </a:p>
-          <a:p>
-            <a:endParaRPr lang="en-US" altLang="zh-CN" dirty="0" smtClean="0"/>
-          </a:p>
-          <a:p>
-            <a:endParaRPr lang="en-US" altLang="zh-CN" dirty="0" smtClean="0"/>
-          </a:p>
-          <a:p>
-            <a:endParaRPr lang="en-US" altLang="zh-CN" dirty="0" smtClean="0"/>
+            <a:endParaRPr lang="zh-CN" altLang="en-US" dirty="0"/>
+          </a:p>
+          <a:p>
+            <a:endParaRPr lang="en-US" altLang="zh-CN" dirty="0"/>
+          </a:p>
+          <a:p>
+            <a:endParaRPr lang="en-US" altLang="zh-CN" dirty="0"/>
+          </a:p>
+          <a:p>
+            <a:endParaRPr lang="en-US" altLang="zh-CN" dirty="0"/>
           </a:p>
           <a:p>
             <a:pPr marL="0" marR="0" indent="0" algn="l" defTabSz="914400" rtl="0" eaLnBrk="1" fontAlgn="auto" latinLnBrk="0" hangingPunct="1">
@@ -2443,34 +2440,34 @@
               <a:defRPr/>
             </a:pPr>
             <a:r>
-              <a:rPr lang="en-US" altLang="zh-CN" sz="1200" dirty="0" smtClean="0">
+              <a:rPr lang="en-US" altLang="zh-CN" sz="1200" dirty="0">
                 <a:latin typeface="微软雅黑" panose="020B0503020204020204" pitchFamily="34" charset="-122"/>
                 <a:ea typeface="微软雅黑" panose="020B0503020204020204" pitchFamily="34" charset="-122"/>
               </a:rPr>
               <a:t>Thing </a:t>
             </a:r>
             <a:r>
-              <a:rPr lang="en-US" altLang="zh-CN" sz="1200" dirty="0" err="1" smtClean="0">
+              <a:rPr lang="en-US" altLang="zh-CN" sz="1200" dirty="0" err="1">
                 <a:latin typeface="微软雅黑" panose="020B0503020204020204" pitchFamily="34" charset="-122"/>
                 <a:ea typeface="微软雅黑" panose="020B0503020204020204" pitchFamily="34" charset="-122"/>
               </a:rPr>
               <a:t>Worx</a:t>
             </a:r>
             <a:r>
-              <a:rPr lang="en-US" altLang="zh-CN" sz="1200" dirty="0" smtClean="0">
+              <a:rPr lang="en-US" altLang="zh-CN" sz="1200" dirty="0">
                 <a:latin typeface="微软雅黑" panose="020B0503020204020204" pitchFamily="34" charset="-122"/>
                 <a:ea typeface="微软雅黑" panose="020B0503020204020204" pitchFamily="34" charset="-122"/>
               </a:rPr>
               <a:t> </a:t>
             </a:r>
             <a:r>
-              <a:rPr lang="zh-CN" altLang="en-US" sz="1200" dirty="0" smtClean="0">
+              <a:rPr lang="zh-CN" altLang="en-US" sz="1200" dirty="0">
                 <a:latin typeface="微软雅黑" panose="020B0503020204020204" pitchFamily="34" charset="-122"/>
                 <a:ea typeface="微软雅黑" panose="020B0503020204020204" pitchFamily="34" charset="-122"/>
               </a:rPr>
               <a:t>移动物联网平台，你可以将收集到的数据传到这里，保存并处理</a:t>
             </a:r>
-            <a:endParaRPr lang="zh-CN" altLang="en-US" dirty="0" smtClean="0"/>
+            <a:endParaRPr lang="zh-CN" altLang="en-US" dirty="0"/>
           </a:p>
           <a:p>
             <a:endParaRPr lang="zh-CN" altLang="en-US" dirty="0"/>
@@ -2555,7 +2552,7 @@
           </a:lstStyle>
           <a:p>
             <a:r>
-              <a:rPr lang="zh-CN" altLang="en-US" smtClean="0"/>
+              <a:rPr lang="zh-CN" altLang="en-US"/>
               <a:t>单击此处编辑母版标题样式</a:t>
             </a:r>
             <a:endParaRPr lang="en-US" dirty="0"/>
@@ -2675,7 +2672,7 @@
           </a:lstStyle>
           <a:p>
             <a:r>
-              <a:rPr lang="zh-CN" altLang="en-US" smtClean="0"/>
+              <a:rPr lang="zh-CN" altLang="en-US"/>
               <a:t>单击以编辑母版副标题样式</a:t>
             </a:r>
             <a:endParaRPr lang="en-US" dirty="0"/>
@@ -2699,7 +2696,7 @@
           <a:p>
             <a:fld id="{D6E18AA5-5EEE-4088-AA86-163203DB8769}" type="datetimeFigureOut">
               <a:rPr lang="zh-CN" altLang="en-US" smtClean="0"/>
-              <a:t>2016/3/15 Tuesday</a:t>
+              <a:t>2016/3/16</a:t>
             </a:fld>
             <a:endParaRPr lang="zh-CN" altLang="en-US"/>
           </a:p>
@@ -2804,7 +2801,7 @@
           </a:lstStyle>
           <a:p>
             <a:r>
-              <a:rPr lang="zh-CN" altLang="en-US" smtClean="0"/>
+              <a:rPr lang="zh-CN" altLang="en-US"/>
               <a:t>单击此处编辑母版标题样式</a:t>
             </a:r>
             <a:endParaRPr lang="en-US" dirty="0"/>
@@ -2883,7 +2880,7 @@
           </a:lstStyle>
           <a:p>
             <a:r>
-              <a:rPr lang="zh-CN" altLang="en-US" smtClean="0"/>
+              <a:rPr lang="zh-CN" altLang="en-US"/>
               <a:t>单击图标添加图片</a:t>
             </a:r>
             <a:endParaRPr lang="en-US" dirty="0"/>
@@ -2951,7 +2948,7 @@
           <a:p>
             <a:pPr lvl="0"/>
             <a:r>
-              <a:rPr lang="zh-CN" altLang="en-US" smtClean="0"/>
+              <a:rPr lang="zh-CN" altLang="en-US"/>
               <a:t>编辑母版文本样式</a:t>
             </a:r>
           </a:p>
@@ -2974,7 +2971,7 @@
           <a:p>
             <a:fld id="{D6E18AA5-5EEE-4088-AA86-163203DB8769}" type="datetimeFigureOut">
               <a:rPr lang="zh-CN" altLang="en-US" smtClean="0"/>
-              <a:t>2016/3/15 Tuesday</a:t>
+              <a:t>2016/3/16</a:t>
             </a:fld>
             <a:endParaRPr lang="zh-CN" altLang="en-US"/>
           </a:p>
@@ -3077,7 +3074,7 @@
           </a:lstStyle>
           <a:p>
             <a:r>
-              <a:rPr lang="zh-CN" altLang="en-US" smtClean="0"/>
+              <a:rPr lang="zh-CN" altLang="en-US"/>
               <a:t>单击此处编辑母版标题样式</a:t>
             </a:r>
             <a:endParaRPr lang="en-US" dirty="0"/>
@@ -3145,7 +3142,7 @@
           <a:p>
             <a:pPr lvl="0"/>
             <a:r>
-              <a:rPr lang="zh-CN" altLang="en-US" smtClean="0"/>
+              <a:rPr lang="zh-CN" altLang="en-US"/>
               <a:t>编辑母版文本样式</a:t>
             </a:r>
           </a:p>
@@ -3168,7 +3165,7 @@
           <a:p>
             <a:fld id="{D6E18AA5-5EEE-4088-AA86-163203DB8769}" type="datetimeFigureOut">
               <a:rPr lang="zh-CN" altLang="en-US" smtClean="0"/>
-              <a:t>2016/3/15 Tuesday</a:t>
+              <a:t>2016/3/16</a:t>
             </a:fld>
             <a:endParaRPr lang="zh-CN" altLang="en-US"/>
           </a:p>
@@ -3271,7 +3268,7 @@
           </a:lstStyle>
           <a:p>
             <a:r>
-              <a:rPr lang="zh-CN" altLang="en-US" smtClean="0"/>
+              <a:rPr lang="zh-CN" altLang="en-US"/>
               <a:t>单击此处编辑母版标题样式</a:t>
             </a:r>
             <a:endParaRPr lang="en-US" dirty="0"/>
@@ -3351,7 +3348,7 @@
               <a:buNone/>
             </a:pPr>
             <a:r>
-              <a:rPr lang="zh-CN" altLang="en-US" smtClean="0"/>
+              <a:rPr lang="zh-CN" altLang="en-US"/>
               <a:t>编辑母版文本样式</a:t>
             </a:r>
           </a:p>
@@ -3418,7 +3415,7 @@
           <a:p>
             <a:pPr lvl="0"/>
             <a:r>
-              <a:rPr lang="zh-CN" altLang="en-US" smtClean="0"/>
+              <a:rPr lang="zh-CN" altLang="en-US"/>
               <a:t>编辑母版文本样式</a:t>
             </a:r>
           </a:p>
@@ -3441,7 +3438,7 @@
           <a:p>
             <a:fld id="{D6E18AA5-5EEE-4088-AA86-163203DB8769}" type="datetimeFigureOut">
               <a:rPr lang="zh-CN" altLang="en-US" smtClean="0"/>
-              <a:t>2016/3/15 Tuesday</a:t>
+              <a:t>2016/3/16</a:t>
             </a:fld>
             <a:endParaRPr lang="zh-CN" altLang="en-US"/>
           </a:p>
@@ -3638,7 +3635,7 @@
           </a:lstStyle>
           <a:p>
             <a:r>
-              <a:rPr lang="zh-CN" altLang="en-US" smtClean="0"/>
+              <a:rPr lang="zh-CN" altLang="en-US"/>
               <a:t>单击此处编辑母版标题样式</a:t>
             </a:r>
             <a:endParaRPr lang="en-US" dirty="0"/>
@@ -3759,7 +3756,7 @@
           <a:p>
             <a:pPr lvl="0"/>
             <a:r>
-              <a:rPr lang="zh-CN" altLang="en-US" smtClean="0"/>
+              <a:rPr lang="zh-CN" altLang="en-US"/>
               <a:t>编辑母版文本样式</a:t>
             </a:r>
           </a:p>
@@ -3782,7 +3779,7 @@
           <a:p>
             <a:fld id="{D6E18AA5-5EEE-4088-AA86-163203DB8769}" type="datetimeFigureOut">
               <a:rPr lang="zh-CN" altLang="en-US" smtClean="0"/>
-              <a:t>2016/3/15 Tuesday</a:t>
+              <a:t>2016/3/16</a:t>
             </a:fld>
             <a:endParaRPr lang="zh-CN" altLang="en-US"/>
           </a:p>
@@ -3880,7 +3877,7 @@
           </a:lstStyle>
           <a:p>
             <a:r>
-              <a:rPr lang="zh-CN" altLang="en-US" smtClean="0"/>
+              <a:rPr lang="zh-CN" altLang="en-US"/>
               <a:t>单击此处编辑母版标题样式</a:t>
             </a:r>
             <a:endParaRPr lang="en-US" dirty="0"/>
@@ -3955,7 +3952,7 @@
           <a:p>
             <a:pPr lvl="0"/>
             <a:r>
-              <a:rPr lang="zh-CN" altLang="en-US" smtClean="0"/>
+              <a:rPr lang="zh-CN" altLang="en-US"/>
               <a:t>编辑母版文本样式</a:t>
             </a:r>
           </a:p>
@@ -4022,7 +4019,7 @@
           <a:p>
             <a:pPr lvl="0"/>
             <a:r>
-              <a:rPr lang="zh-CN" altLang="en-US" smtClean="0"/>
+              <a:rPr lang="zh-CN" altLang="en-US"/>
               <a:t>编辑母版文本样式</a:t>
             </a:r>
           </a:p>
@@ -4096,7 +4093,7 @@
           <a:p>
             <a:pPr lvl="0"/>
             <a:r>
-              <a:rPr lang="zh-CN" altLang="en-US" smtClean="0"/>
+              <a:rPr lang="zh-CN" altLang="en-US"/>
               <a:t>编辑母版文本样式</a:t>
             </a:r>
           </a:p>
@@ -4163,7 +4160,7 @@
           <a:p>
             <a:pPr lvl="0"/>
             <a:r>
-              <a:rPr lang="zh-CN" altLang="en-US" smtClean="0"/>
+              <a:rPr lang="zh-CN" altLang="en-US"/>
               <a:t>编辑母版文本样式</a:t>
             </a:r>
           </a:p>
@@ -4237,7 +4234,7 @@
           <a:p>
             <a:pPr lvl="0"/>
             <a:r>
-              <a:rPr lang="zh-CN" altLang="en-US" smtClean="0"/>
+              <a:rPr lang="zh-CN" altLang="en-US"/>
               <a:t>编辑母版文本样式</a:t>
             </a:r>
           </a:p>
@@ -4304,7 +4301,7 @@
           <a:p>
             <a:pPr lvl="0"/>
             <a:r>
-              <a:rPr lang="zh-CN" altLang="en-US" smtClean="0"/>
+              <a:rPr lang="zh-CN" altLang="en-US"/>
               <a:t>编辑母版文本样式</a:t>
             </a:r>
           </a:p>
@@ -4405,7 +4402,7 @@
           <a:p>
             <a:fld id="{D6E18AA5-5EEE-4088-AA86-163203DB8769}" type="datetimeFigureOut">
               <a:rPr lang="zh-CN" altLang="en-US" smtClean="0"/>
-              <a:t>2016/3/15 Tuesday</a:t>
+              <a:t>2016/3/16</a:t>
             </a:fld>
             <a:endParaRPr lang="zh-CN" altLang="en-US"/>
           </a:p>
@@ -4503,7 +4500,7 @@
           </a:lstStyle>
           <a:p>
             <a:r>
-              <a:rPr lang="zh-CN" altLang="en-US" smtClean="0"/>
+              <a:rPr lang="zh-CN" altLang="en-US"/>
               <a:t>单击此处编辑母版标题样式</a:t>
             </a:r>
             <a:endParaRPr lang="en-US" dirty="0"/>
@@ -4578,7 +4575,7 @@
           <a:p>
             <a:pPr lvl="0"/>
             <a:r>
-              <a:rPr lang="zh-CN" altLang="en-US" smtClean="0"/>
+              <a:rPr lang="zh-CN" altLang="en-US"/>
               <a:t>编辑母版文本样式</a:t>
             </a:r>
           </a:p>
@@ -4656,7 +4653,7 @@
           </a:lstStyle>
           <a:p>
             <a:r>
-              <a:rPr lang="zh-CN" altLang="en-US" smtClean="0"/>
+              <a:rPr lang="zh-CN" altLang="en-US"/>
               <a:t>单击图标添加图片</a:t>
             </a:r>
             <a:endParaRPr lang="en-US" dirty="0"/>
@@ -4724,7 +4721,7 @@
           <a:p>
             <a:pPr lvl="0"/>
             <a:r>
-              <a:rPr lang="zh-CN" altLang="en-US" smtClean="0"/>
+              <a:rPr lang="zh-CN" altLang="en-US"/>
               <a:t>编辑母版文本样式</a:t>
             </a:r>
           </a:p>
@@ -4798,7 +4795,7 @@
           <a:p>
             <a:pPr lvl="0"/>
             <a:r>
-              <a:rPr lang="zh-CN" altLang="en-US" smtClean="0"/>
+              <a:rPr lang="zh-CN" altLang="en-US"/>
               <a:t>编辑母版文本样式</a:t>
             </a:r>
           </a:p>
@@ -4876,7 +4873,7 @@
           </a:lstStyle>
           <a:p>
             <a:r>
-              <a:rPr lang="zh-CN" altLang="en-US" smtClean="0"/>
+              <a:rPr lang="zh-CN" altLang="en-US"/>
               <a:t>单击图标添加图片</a:t>
             </a:r>
             <a:endParaRPr lang="en-US" dirty="0"/>
@@ -4944,7 +4941,7 @@
           <a:p>
             <a:pPr lvl="0"/>
             <a:r>
-              <a:rPr lang="zh-CN" altLang="en-US" smtClean="0"/>
+              <a:rPr lang="zh-CN" altLang="en-US"/>
               <a:t>编辑母版文本样式</a:t>
             </a:r>
           </a:p>
@@ -5018,7 +5015,7 @@
           <a:p>
             <a:pPr lvl="0"/>
             <a:r>
-              <a:rPr lang="zh-CN" altLang="en-US" smtClean="0"/>
+              <a:rPr lang="zh-CN" altLang="en-US"/>
               <a:t>编辑母版文本样式</a:t>
             </a:r>
           </a:p>
@@ -5096,7 +5093,7 @@
           </a:lstStyle>
           <a:p>
             <a:r>
-              <a:rPr lang="zh-CN" altLang="en-US" smtClean="0"/>
+              <a:rPr lang="zh-CN" altLang="en-US"/>
               <a:t>单击图标添加图片</a:t>
             </a:r>
             <a:endParaRPr lang="en-US" dirty="0"/>
@@ -5164,7 +5161,7 @@
           <a:p>
             <a:pPr lvl="0"/>
             <a:r>
-              <a:rPr lang="zh-CN" altLang="en-US" smtClean="0"/>
+              <a:rPr lang="zh-CN" altLang="en-US"/>
               <a:t>编辑母版文本样式</a:t>
             </a:r>
           </a:p>
@@ -5265,7 +5262,7 @@
           <a:p>
             <a:fld id="{D6E18AA5-5EEE-4088-AA86-163203DB8769}" type="datetimeFigureOut">
               <a:rPr lang="zh-CN" altLang="en-US" smtClean="0"/>
-              <a:t>2016/3/15 Tuesday</a:t>
+              <a:t>2016/3/16</a:t>
             </a:fld>
             <a:endParaRPr lang="zh-CN" altLang="en-US"/>
           </a:p>
@@ -5359,7 +5356,7 @@
           <a:lstStyle/>
           <a:p>
             <a:r>
-              <a:rPr lang="zh-CN" altLang="en-US" smtClean="0"/>
+              <a:rPr lang="zh-CN" altLang="en-US"/>
               <a:t>单击此处编辑母版标题样式</a:t>
             </a:r>
             <a:endParaRPr lang="en-US" dirty="0"/>
@@ -5383,35 +5380,35 @@
           <a:p>
             <a:pPr lvl="0"/>
             <a:r>
-              <a:rPr lang="zh-CN" altLang="en-US" smtClean="0"/>
+              <a:rPr lang="zh-CN" altLang="en-US"/>
               <a:t>编辑母版文本样式</a:t>
             </a:r>
           </a:p>
           <a:p>
             <a:pPr lvl="1"/>
             <a:r>
-              <a:rPr lang="zh-CN" altLang="en-US" smtClean="0"/>
+              <a:rPr lang="zh-CN" altLang="en-US"/>
               <a:t>第二级</a:t>
             </a:r>
           </a:p>
           <a:p>
             <a:pPr lvl="2"/>
             <a:r>
-              <a:rPr lang="zh-CN" altLang="en-US" smtClean="0"/>
+              <a:rPr lang="zh-CN" altLang="en-US"/>
               <a:t>第三级</a:t>
             </a:r>
           </a:p>
           <a:p>
             <a:pPr lvl="3"/>
             <a:r>
-              <a:rPr lang="zh-CN" altLang="en-US" smtClean="0"/>
+              <a:rPr lang="zh-CN" altLang="en-US"/>
               <a:t>第四级</a:t>
             </a:r>
           </a:p>
           <a:p>
             <a:pPr lvl="4"/>
             <a:r>
-              <a:rPr lang="zh-CN" altLang="en-US" smtClean="0"/>
+              <a:rPr lang="zh-CN" altLang="en-US"/>
               <a:t>第五级</a:t>
             </a:r>
             <a:endParaRPr lang="en-US" dirty="0"/>
@@ -5435,7 +5432,7 @@
           <a:p>
             <a:fld id="{D6E18AA5-5EEE-4088-AA86-163203DB8769}" type="datetimeFigureOut">
               <a:rPr lang="zh-CN" altLang="en-US" smtClean="0"/>
-              <a:t>2016/3/15 Tuesday</a:t>
+              <a:t>2016/3/16</a:t>
             </a:fld>
             <a:endParaRPr lang="zh-CN" altLang="en-US"/>
           </a:p>
@@ -5534,7 +5531,7 @@
           <a:lstStyle/>
           <a:p>
             <a:r>
-              <a:rPr lang="zh-CN" altLang="en-US" smtClean="0"/>
+              <a:rPr lang="zh-CN" altLang="en-US"/>
               <a:t>单击此处编辑母版标题样式</a:t>
             </a:r>
             <a:endParaRPr lang="en-US" dirty="0"/>
@@ -5563,35 +5560,35 @@
           <a:p>
             <a:pPr lvl="0"/>
             <a:r>
-              <a:rPr lang="zh-CN" altLang="en-US" smtClean="0"/>
+              <a:rPr lang="zh-CN" altLang="en-US"/>
               <a:t>编辑母版文本样式</a:t>
             </a:r>
           </a:p>
           <a:p>
             <a:pPr lvl="1"/>
             <a:r>
-              <a:rPr lang="zh-CN" altLang="en-US" smtClean="0"/>
+              <a:rPr lang="zh-CN" altLang="en-US"/>
               <a:t>第二级</a:t>
             </a:r>
           </a:p>
           <a:p>
             <a:pPr lvl="2"/>
             <a:r>
-              <a:rPr lang="zh-CN" altLang="en-US" smtClean="0"/>
+              <a:rPr lang="zh-CN" altLang="en-US"/>
               <a:t>第三级</a:t>
             </a:r>
           </a:p>
           <a:p>
             <a:pPr lvl="3"/>
             <a:r>
-              <a:rPr lang="zh-CN" altLang="en-US" smtClean="0"/>
+              <a:rPr lang="zh-CN" altLang="en-US"/>
               <a:t>第四级</a:t>
             </a:r>
           </a:p>
           <a:p>
             <a:pPr lvl="4"/>
             <a:r>
-              <a:rPr lang="zh-CN" altLang="en-US" smtClean="0"/>
+              <a:rPr lang="zh-CN" altLang="en-US"/>
               <a:t>第五级</a:t>
             </a:r>
             <a:endParaRPr lang="en-US" dirty="0"/>
@@ -5615,7 +5612,7 @@
           <a:p>
             <a:fld id="{D6E18AA5-5EEE-4088-AA86-163203DB8769}" type="datetimeFigureOut">
               <a:rPr lang="zh-CN" altLang="en-US" smtClean="0"/>
-              <a:t>2016/3/15 Tuesday</a:t>
+              <a:t>2016/3/16</a:t>
             </a:fld>
             <a:endParaRPr lang="zh-CN" altLang="en-US"/>
           </a:p>
@@ -5709,7 +5706,7 @@
           <a:lstStyle/>
           <a:p>
             <a:r>
-              <a:rPr lang="zh-CN" altLang="en-US" smtClean="0"/>
+              <a:rPr lang="zh-CN" altLang="en-US"/>
               <a:t>单击此处编辑母版标题样式</a:t>
             </a:r>
             <a:endParaRPr lang="en-US" dirty="0"/>
@@ -5733,35 +5730,35 @@
           <a:p>
             <a:pPr lvl="0"/>
             <a:r>
-              <a:rPr lang="zh-CN" altLang="en-US" smtClean="0"/>
+              <a:rPr lang="zh-CN" altLang="en-US"/>
               <a:t>编辑母版文本样式</a:t>
             </a:r>
           </a:p>
           <a:p>
             <a:pPr lvl="1"/>
             <a:r>
-              <a:rPr lang="zh-CN" altLang="en-US" smtClean="0"/>
+              <a:rPr lang="zh-CN" altLang="en-US"/>
               <a:t>第二级</a:t>
             </a:r>
           </a:p>
           <a:p>
             <a:pPr lvl="2"/>
             <a:r>
-              <a:rPr lang="zh-CN" altLang="en-US" smtClean="0"/>
+              <a:rPr lang="zh-CN" altLang="en-US"/>
               <a:t>第三级</a:t>
             </a:r>
           </a:p>
           <a:p>
             <a:pPr lvl="3"/>
             <a:r>
-              <a:rPr lang="zh-CN" altLang="en-US" smtClean="0"/>
+              <a:rPr lang="zh-CN" altLang="en-US"/>
               <a:t>第四级</a:t>
             </a:r>
           </a:p>
           <a:p>
             <a:pPr lvl="4"/>
             <a:r>
-              <a:rPr lang="zh-CN" altLang="en-US" smtClean="0"/>
+              <a:rPr lang="zh-CN" altLang="en-US"/>
               <a:t>第五级</a:t>
             </a:r>
             <a:endParaRPr lang="en-US" dirty="0"/>
@@ -5785,7 +5782,7 @@
           <a:p>
             <a:fld id="{D6E18AA5-5EEE-4088-AA86-163203DB8769}" type="datetimeFigureOut">
               <a:rPr lang="zh-CN" altLang="en-US" smtClean="0"/>
-              <a:t>2016/3/15 Tuesday</a:t>
+              <a:t>2016/3/16</a:t>
             </a:fld>
             <a:endParaRPr lang="zh-CN" altLang="en-US"/>
           </a:p>
@@ -5888,7 +5885,7 @@
           </a:lstStyle>
           <a:p>
             <a:r>
-              <a:rPr lang="zh-CN" altLang="en-US" smtClean="0"/>
+              <a:rPr lang="zh-CN" altLang="en-US"/>
               <a:t>单击此处编辑母版标题样式</a:t>
             </a:r>
             <a:endParaRPr lang="en-US" dirty="0"/>
@@ -6009,7 +6006,7 @@
           <a:p>
             <a:pPr lvl="0"/>
             <a:r>
-              <a:rPr lang="zh-CN" altLang="en-US" smtClean="0"/>
+              <a:rPr lang="zh-CN" altLang="en-US"/>
               <a:t>编辑母版文本样式</a:t>
             </a:r>
           </a:p>
@@ -6032,7 +6029,7 @@
           <a:p>
             <a:fld id="{D6E18AA5-5EEE-4088-AA86-163203DB8769}" type="datetimeFigureOut">
               <a:rPr lang="zh-CN" altLang="en-US" smtClean="0"/>
-              <a:t>2016/3/15 Tuesday</a:t>
+              <a:t>2016/3/16</a:t>
             </a:fld>
             <a:endParaRPr lang="zh-CN" altLang="en-US"/>
           </a:p>
@@ -6126,7 +6123,7 @@
           <a:lstStyle/>
           <a:p>
             <a:r>
-              <a:rPr lang="zh-CN" altLang="en-US" smtClean="0"/>
+              <a:rPr lang="zh-CN" altLang="en-US"/>
               <a:t>单击此处编辑母版标题样式</a:t>
             </a:r>
             <a:endParaRPr lang="en-US" dirty="0"/>
@@ -6185,35 +6182,35 @@
           <a:p>
             <a:pPr lvl="0"/>
             <a:r>
-              <a:rPr lang="zh-CN" altLang="en-US" smtClean="0"/>
+              <a:rPr lang="zh-CN" altLang="en-US"/>
               <a:t>编辑母版文本样式</a:t>
             </a:r>
           </a:p>
           <a:p>
             <a:pPr lvl="1"/>
             <a:r>
-              <a:rPr lang="zh-CN" altLang="en-US" smtClean="0"/>
+              <a:rPr lang="zh-CN" altLang="en-US"/>
               <a:t>第二级</a:t>
             </a:r>
           </a:p>
           <a:p>
             <a:pPr lvl="2"/>
             <a:r>
-              <a:rPr lang="zh-CN" altLang="en-US" smtClean="0"/>
+              <a:rPr lang="zh-CN" altLang="en-US"/>
               <a:t>第三级</a:t>
             </a:r>
           </a:p>
           <a:p>
             <a:pPr lvl="3"/>
             <a:r>
-              <a:rPr lang="zh-CN" altLang="en-US" smtClean="0"/>
+              <a:rPr lang="zh-CN" altLang="en-US"/>
               <a:t>第四级</a:t>
             </a:r>
           </a:p>
           <a:p>
             <a:pPr lvl="4"/>
             <a:r>
-              <a:rPr lang="zh-CN" altLang="en-US" smtClean="0"/>
+              <a:rPr lang="zh-CN" altLang="en-US"/>
               <a:t>第五级</a:t>
             </a:r>
             <a:endParaRPr lang="en-US" dirty="0"/>
@@ -6272,35 +6269,35 @@
           <a:p>
             <a:pPr lvl="0"/>
             <a:r>
-              <a:rPr lang="zh-CN" altLang="en-US" smtClean="0"/>
+              <a:rPr lang="zh-CN" altLang="en-US"/>
               <a:t>编辑母版文本样式</a:t>
             </a:r>
           </a:p>
           <a:p>
             <a:pPr lvl="1"/>
             <a:r>
-              <a:rPr lang="zh-CN" altLang="en-US" smtClean="0"/>
+              <a:rPr lang="zh-CN" altLang="en-US"/>
               <a:t>第二级</a:t>
             </a:r>
           </a:p>
           <a:p>
             <a:pPr lvl="2"/>
             <a:r>
-              <a:rPr lang="zh-CN" altLang="en-US" smtClean="0"/>
+              <a:rPr lang="zh-CN" altLang="en-US"/>
               <a:t>第三级</a:t>
             </a:r>
           </a:p>
           <a:p>
             <a:pPr lvl="3"/>
             <a:r>
-              <a:rPr lang="zh-CN" altLang="en-US" smtClean="0"/>
+              <a:rPr lang="zh-CN" altLang="en-US"/>
               <a:t>第四级</a:t>
             </a:r>
           </a:p>
           <a:p>
             <a:pPr lvl="4"/>
             <a:r>
-              <a:rPr lang="zh-CN" altLang="en-US" smtClean="0"/>
+              <a:rPr lang="zh-CN" altLang="en-US"/>
               <a:t>第五级</a:t>
             </a:r>
             <a:endParaRPr lang="en-US" dirty="0"/>
@@ -6324,7 +6321,7 @@
           <a:p>
             <a:fld id="{D6E18AA5-5EEE-4088-AA86-163203DB8769}" type="datetimeFigureOut">
               <a:rPr lang="zh-CN" altLang="en-US" smtClean="0"/>
-              <a:t>2016/3/15 Tuesday</a:t>
+              <a:t>2016/3/16</a:t>
             </a:fld>
             <a:endParaRPr lang="zh-CN" altLang="en-US"/>
           </a:p>
@@ -6422,7 +6419,7 @@
           </a:lstStyle>
           <a:p>
             <a:r>
-              <a:rPr lang="zh-CN" altLang="en-US" smtClean="0"/>
+              <a:rPr lang="zh-CN" altLang="en-US"/>
               <a:t>单击此处编辑母版标题样式</a:t>
             </a:r>
             <a:endParaRPr lang="en-US" dirty="0"/>
@@ -6497,7 +6494,7 @@
           <a:p>
             <a:pPr lvl="0"/>
             <a:r>
-              <a:rPr lang="zh-CN" altLang="en-US" smtClean="0"/>
+              <a:rPr lang="zh-CN" altLang="en-US"/>
               <a:t>编辑母版文本样式</a:t>
             </a:r>
           </a:p>
@@ -6555,35 +6552,35 @@
           <a:p>
             <a:pPr lvl="0"/>
             <a:r>
-              <a:rPr lang="zh-CN" altLang="en-US" smtClean="0"/>
+              <a:rPr lang="zh-CN" altLang="en-US"/>
               <a:t>编辑母版文本样式</a:t>
             </a:r>
           </a:p>
           <a:p>
             <a:pPr lvl="1"/>
             <a:r>
-              <a:rPr lang="zh-CN" altLang="en-US" smtClean="0"/>
+              <a:rPr lang="zh-CN" altLang="en-US"/>
               <a:t>第二级</a:t>
             </a:r>
           </a:p>
           <a:p>
             <a:pPr lvl="2"/>
             <a:r>
-              <a:rPr lang="zh-CN" altLang="en-US" smtClean="0"/>
+              <a:rPr lang="zh-CN" altLang="en-US"/>
               <a:t>第三级</a:t>
             </a:r>
           </a:p>
           <a:p>
             <a:pPr lvl="3"/>
             <a:r>
-              <a:rPr lang="zh-CN" altLang="en-US" smtClean="0"/>
+              <a:rPr lang="zh-CN" altLang="en-US"/>
               <a:t>第四级</a:t>
             </a:r>
           </a:p>
           <a:p>
             <a:pPr lvl="4"/>
             <a:r>
-              <a:rPr lang="zh-CN" altLang="en-US" smtClean="0"/>
+              <a:rPr lang="zh-CN" altLang="en-US"/>
               <a:t>第五级</a:t>
             </a:r>
             <a:endParaRPr lang="en-US" dirty="0"/>
@@ -6658,7 +6655,7 @@
           <a:p>
             <a:pPr lvl="0"/>
             <a:r>
-              <a:rPr lang="zh-CN" altLang="en-US" smtClean="0"/>
+              <a:rPr lang="zh-CN" altLang="en-US"/>
               <a:t>编辑母版文本样式</a:t>
             </a:r>
           </a:p>
@@ -6716,35 +6713,35 @@
           <a:p>
             <a:pPr lvl="0"/>
             <a:r>
-              <a:rPr lang="zh-CN" altLang="en-US" smtClean="0"/>
+              <a:rPr lang="zh-CN" altLang="en-US"/>
               <a:t>编辑母版文本样式</a:t>
             </a:r>
           </a:p>
           <a:p>
             <a:pPr lvl="1"/>
             <a:r>
-              <a:rPr lang="zh-CN" altLang="en-US" smtClean="0"/>
+              <a:rPr lang="zh-CN" altLang="en-US"/>
               <a:t>第二级</a:t>
             </a:r>
           </a:p>
           <a:p>
             <a:pPr lvl="2"/>
             <a:r>
-              <a:rPr lang="zh-CN" altLang="en-US" smtClean="0"/>
+              <a:rPr lang="zh-CN" altLang="en-US"/>
               <a:t>第三级</a:t>
             </a:r>
           </a:p>
           <a:p>
             <a:pPr lvl="3"/>
             <a:r>
-              <a:rPr lang="zh-CN" altLang="en-US" smtClean="0"/>
+              <a:rPr lang="zh-CN" altLang="en-US"/>
               <a:t>第四级</a:t>
             </a:r>
           </a:p>
           <a:p>
             <a:pPr lvl="4"/>
             <a:r>
-              <a:rPr lang="zh-CN" altLang="en-US" smtClean="0"/>
+              <a:rPr lang="zh-CN" altLang="en-US"/>
               <a:t>第五级</a:t>
             </a:r>
             <a:endParaRPr lang="en-US" dirty="0"/>
@@ -6768,7 +6765,7 @@
           <a:p>
             <a:fld id="{D6E18AA5-5EEE-4088-AA86-163203DB8769}" type="datetimeFigureOut">
               <a:rPr lang="zh-CN" altLang="en-US" smtClean="0"/>
-              <a:t>2016/3/15 Tuesday</a:t>
+              <a:t>2016/3/16</a:t>
             </a:fld>
             <a:endParaRPr lang="zh-CN" altLang="en-US"/>
           </a:p>
@@ -6862,7 +6859,7 @@
           <a:lstStyle/>
           <a:p>
             <a:r>
-              <a:rPr lang="zh-CN" altLang="en-US" smtClean="0"/>
+              <a:rPr lang="zh-CN" altLang="en-US"/>
               <a:t>单击此处编辑母版标题样式</a:t>
             </a:r>
             <a:endParaRPr lang="en-US" dirty="0"/>
@@ -6886,7 +6883,7 @@
           <a:p>
             <a:fld id="{D6E18AA5-5EEE-4088-AA86-163203DB8769}" type="datetimeFigureOut">
               <a:rPr lang="zh-CN" altLang="en-US" smtClean="0"/>
-              <a:t>2016/3/15 Tuesday</a:t>
+              <a:t>2016/3/16</a:t>
             </a:fld>
             <a:endParaRPr lang="zh-CN" altLang="en-US"/>
           </a:p>
@@ -6981,7 +6978,7 @@
           <a:p>
             <a:fld id="{D6E18AA5-5EEE-4088-AA86-163203DB8769}" type="datetimeFigureOut">
               <a:rPr lang="zh-CN" altLang="en-US" smtClean="0"/>
-              <a:t>2016/3/15 Tuesday</a:t>
+              <a:t>2016/3/16</a:t>
             </a:fld>
             <a:endParaRPr lang="zh-CN" altLang="en-US"/>
           </a:p>
@@ -7084,7 +7081,7 @@
           </a:lstStyle>
           <a:p>
             <a:r>
-              <a:rPr lang="zh-CN" altLang="en-US" smtClean="0"/>
+              <a:rPr lang="zh-CN" altLang="en-US"/>
               <a:t>单击此处编辑母版标题样式</a:t>
             </a:r>
             <a:endParaRPr lang="en-US" dirty="0"/>
@@ -7143,35 +7140,35 @@
           <a:p>
             <a:pPr lvl="0"/>
             <a:r>
-              <a:rPr lang="zh-CN" altLang="en-US" smtClean="0"/>
+              <a:rPr lang="zh-CN" altLang="en-US"/>
               <a:t>编辑母版文本样式</a:t>
             </a:r>
           </a:p>
           <a:p>
             <a:pPr lvl="1"/>
             <a:r>
-              <a:rPr lang="zh-CN" altLang="en-US" smtClean="0"/>
+              <a:rPr lang="zh-CN" altLang="en-US"/>
               <a:t>第二级</a:t>
             </a:r>
           </a:p>
           <a:p>
             <a:pPr lvl="2"/>
             <a:r>
-              <a:rPr lang="zh-CN" altLang="en-US" smtClean="0"/>
+              <a:rPr lang="zh-CN" altLang="en-US"/>
               <a:t>第三级</a:t>
             </a:r>
           </a:p>
           <a:p>
             <a:pPr lvl="3"/>
             <a:r>
-              <a:rPr lang="zh-CN" altLang="en-US" smtClean="0"/>
+              <a:rPr lang="zh-CN" altLang="en-US"/>
               <a:t>第四级</a:t>
             </a:r>
           </a:p>
           <a:p>
             <a:pPr lvl="4"/>
             <a:r>
-              <a:rPr lang="zh-CN" altLang="en-US" smtClean="0"/>
+              <a:rPr lang="zh-CN" altLang="en-US"/>
               <a:t>第五级</a:t>
             </a:r>
             <a:endParaRPr lang="en-US" dirty="0"/>
@@ -7237,7 +7234,7 @@
           <a:p>
             <a:pPr lvl="0"/>
             <a:r>
-              <a:rPr lang="zh-CN" altLang="en-US" smtClean="0"/>
+              <a:rPr lang="zh-CN" altLang="en-US"/>
               <a:t>编辑母版文本样式</a:t>
             </a:r>
           </a:p>
@@ -7260,7 +7257,7 @@
           <a:p>
             <a:fld id="{D6E18AA5-5EEE-4088-AA86-163203DB8769}" type="datetimeFigureOut">
               <a:rPr lang="zh-CN" altLang="en-US" smtClean="0"/>
-              <a:t>2016/3/15 Tuesday</a:t>
+              <a:t>2016/3/16</a:t>
             </a:fld>
             <a:endParaRPr lang="zh-CN" altLang="en-US"/>
           </a:p>
@@ -7365,7 +7362,7 @@
           </a:lstStyle>
           <a:p>
             <a:r>
-              <a:rPr lang="zh-CN" altLang="en-US" smtClean="0"/>
+              <a:rPr lang="zh-CN" altLang="en-US"/>
               <a:t>单击此处编辑母版标题样式</a:t>
             </a:r>
             <a:endParaRPr lang="en-US" dirty="0"/>
@@ -7444,7 +7441,7 @@
           </a:lstStyle>
           <a:p>
             <a:r>
-              <a:rPr lang="zh-CN" altLang="en-US" smtClean="0"/>
+              <a:rPr lang="zh-CN" altLang="en-US"/>
               <a:t>单击图标添加图片</a:t>
             </a:r>
             <a:endParaRPr lang="en-US" dirty="0"/>
@@ -7512,7 +7509,7 @@
           <a:p>
             <a:pPr lvl="0"/>
             <a:r>
-              <a:rPr lang="zh-CN" altLang="en-US" smtClean="0"/>
+              <a:rPr lang="zh-CN" altLang="en-US"/>
               <a:t>编辑母版文本样式</a:t>
             </a:r>
           </a:p>
@@ -7535,7 +7532,7 @@
           <a:p>
             <a:fld id="{D6E18AA5-5EEE-4088-AA86-163203DB8769}" type="datetimeFigureOut">
               <a:rPr lang="zh-CN" altLang="en-US" smtClean="0"/>
-              <a:t>2016/3/15 Tuesday</a:t>
+              <a:t>2016/3/16</a:t>
             </a:fld>
             <a:endParaRPr lang="zh-CN" altLang="en-US"/>
           </a:p>
@@ -7859,7 +7856,7 @@
           <a:lstStyle/>
           <a:p>
             <a:r>
-              <a:rPr lang="zh-CN" altLang="en-US" smtClean="0"/>
+              <a:rPr lang="zh-CN" altLang="en-US"/>
               <a:t>单击此处编辑母版标题样式</a:t>
             </a:r>
             <a:endParaRPr lang="en-US" dirty="0"/>
@@ -7893,35 +7890,35 @@
           <a:p>
             <a:pPr lvl="0"/>
             <a:r>
-              <a:rPr lang="zh-CN" altLang="en-US" smtClean="0"/>
+              <a:rPr lang="zh-CN" altLang="en-US"/>
               <a:t>编辑母版文本样式</a:t>
             </a:r>
           </a:p>
           <a:p>
             <a:pPr lvl="1"/>
             <a:r>
-              <a:rPr lang="zh-CN" altLang="en-US" smtClean="0"/>
+              <a:rPr lang="zh-CN" altLang="en-US"/>
               <a:t>第二级</a:t>
             </a:r>
           </a:p>
           <a:p>
             <a:pPr lvl="2"/>
             <a:r>
-              <a:rPr lang="zh-CN" altLang="en-US" smtClean="0"/>
+              <a:rPr lang="zh-CN" altLang="en-US"/>
               <a:t>第三级</a:t>
             </a:r>
           </a:p>
           <a:p>
             <a:pPr lvl="3"/>
             <a:r>
-              <a:rPr lang="zh-CN" altLang="en-US" smtClean="0"/>
+              <a:rPr lang="zh-CN" altLang="en-US"/>
               <a:t>第四级</a:t>
             </a:r>
           </a:p>
           <a:p>
             <a:pPr lvl="4"/>
             <a:r>
-              <a:rPr lang="zh-CN" altLang="en-US" smtClean="0"/>
+              <a:rPr lang="zh-CN" altLang="en-US"/>
               <a:t>第五级</a:t>
             </a:r>
             <a:endParaRPr lang="en-US" dirty="0"/>
@@ -7964,7 +7961,7 @@
           <a:p>
             <a:fld id="{D6E18AA5-5EEE-4088-AA86-163203DB8769}" type="datetimeFigureOut">
               <a:rPr lang="zh-CN" altLang="en-US" smtClean="0"/>
-              <a:t>2016/3/15 Tuesday</a:t>
+              <a:t>2016/3/16</a:t>
             </a:fld>
             <a:endParaRPr lang="zh-CN" altLang="en-US"/>
           </a:p>
@@ -8508,14 +8505,14 @@
           <a:lstStyle/>
           <a:p>
             <a:r>
-              <a:rPr lang="zh-CN" altLang="en-US" dirty="0" smtClean="0">
+              <a:rPr lang="zh-CN" altLang="en-US" dirty="0">
                 <a:latin typeface="微软雅黑" panose="020B0503020204020204" pitchFamily="34" charset="-122"/>
                 <a:ea typeface="微软雅黑" panose="020B0503020204020204" pitchFamily="34" charset="-122"/>
               </a:rPr>
               <a:t>气象站</a:t>
             </a:r>
             <a:r>
-              <a:rPr lang="zh-CN" altLang="zh-CN" dirty="0" smtClean="0">
+              <a:rPr lang="zh-CN" altLang="zh-CN" dirty="0">
                 <a:latin typeface="微软雅黑" panose="020B0503020204020204" pitchFamily="34" charset="-122"/>
                 <a:ea typeface="微软雅黑" panose="020B0503020204020204" pitchFamily="34" charset="-122"/>
               </a:rPr>
@@ -8546,7 +8543,7 @@
           <a:lstStyle/>
           <a:p>
             <a:r>
-              <a:rPr lang="en-US" altLang="zh-CN" sz="1600" dirty="0" smtClean="0">
+              <a:rPr lang="en-US" altLang="zh-CN" sz="1600" dirty="0">
                 <a:solidFill>
                   <a:schemeClr val="tx1">
                     <a:lumMod val="95000"/>
@@ -8569,29 +8566,8 @@
                 <a:latin typeface="微软雅黑" panose="020B0503020204020204" pitchFamily="34" charset="-122"/>
                 <a:ea typeface="微软雅黑" panose="020B0503020204020204" pitchFamily="34" charset="-122"/>
               </a:rPr>
-              <a:t>郑</a:t>
-            </a:r>
-            <a:r>
-              <a:rPr lang="zh-CN" altLang="en-US" sz="1600" dirty="0" smtClean="0">
-                <a:solidFill>
-                  <a:schemeClr val="tx1">
-                    <a:lumMod val="95000"/>
-                  </a:schemeClr>
-                </a:solidFill>
-                <a:latin typeface="微软雅黑" panose="020B0503020204020204" pitchFamily="34" charset="-122"/>
-                <a:ea typeface="微软雅黑" panose="020B0503020204020204" pitchFamily="34" charset="-122"/>
-              </a:rPr>
-              <a:t>楠 张佳 吴舒然</a:t>
-            </a:r>
-            <a:endParaRPr lang="zh-CN" altLang="en-US" sz="1600" dirty="0">
-              <a:solidFill>
-                <a:schemeClr val="tx1">
-                  <a:lumMod val="95000"/>
-                </a:schemeClr>
-              </a:solidFill>
-              <a:latin typeface="微软雅黑" panose="020B0503020204020204" pitchFamily="34" charset="-122"/>
-              <a:ea typeface="微软雅黑" panose="020B0503020204020204" pitchFamily="34" charset="-122"/>
-            </a:endParaRPr>
+              <a:t>郑楠 张佳 吴舒然</a:t>
+            </a:r>
           </a:p>
         </p:txBody>
       </p:sp>
@@ -9081,7 +9057,7 @@
             <a:p>
               <a:pPr algn="ctr"/>
               <a:r>
-                <a:rPr lang="en-US" altLang="zh-CN" sz="2400" dirty="0" smtClean="0">
+                <a:rPr lang="en-US" altLang="zh-CN" sz="2400" dirty="0">
                   <a:latin typeface="微软雅黑" panose="020B0503020204020204" pitchFamily="34" charset="-122"/>
                   <a:ea typeface="微软雅黑" panose="020B0503020204020204" pitchFamily="34" charset="-122"/>
                 </a:rPr>
@@ -9134,16 +9110,12 @@
             <a:p>
               <a:pPr algn="ctr"/>
               <a:r>
-                <a:rPr lang="zh-CN" altLang="en-US" dirty="0" smtClean="0">
+                <a:rPr lang="zh-CN" altLang="en-US" dirty="0">
                   <a:latin typeface="微软雅黑" panose="020B0503020204020204" pitchFamily="34" charset="-122"/>
                   <a:ea typeface="微软雅黑" panose="020B0503020204020204" pitchFamily="34" charset="-122"/>
                 </a:rPr>
                 <a:t>气象站传感器</a:t>
               </a:r>
-              <a:endParaRPr lang="zh-CN" altLang="en-US" dirty="0">
-                <a:latin typeface="微软雅黑" panose="020B0503020204020204" pitchFamily="34" charset="-122"/>
-                <a:ea typeface="微软雅黑" panose="020B0503020204020204" pitchFamily="34" charset="-122"/>
-              </a:endParaRPr>
             </a:p>
           </p:txBody>
         </p:sp>
@@ -9191,7 +9163,7 @@
             <a:lstStyle/>
             <a:p>
               <a:pPr algn="ctr"/>
-              <a:endParaRPr lang="zh-CN" altLang="en-US" dirty="0" err="1" smtClean="0"/>
+              <a:endParaRPr lang="zh-CN" altLang="en-US" dirty="0" err="1"/>
             </a:p>
           </p:txBody>
         </p:sp>
@@ -9218,7 +9190,7 @@
             <a:lstStyle/>
             <a:p>
               <a:r>
-                <a:rPr lang="en-US" altLang="zh-CN" sz="2000" b="1" dirty="0" smtClean="0">
+                <a:rPr lang="en-US" altLang="zh-CN" sz="2000" b="1" dirty="0">
                   <a:latin typeface="微软雅黑" panose="020B0503020204020204" pitchFamily="34" charset="-122"/>
                   <a:ea typeface="微软雅黑" panose="020B0503020204020204" pitchFamily="34" charset="-122"/>
                 </a:rPr>
@@ -9280,13 +9252,13 @@
             <a:p>
               <a:pPr algn="ctr"/>
               <a:r>
-                <a:rPr lang="en-US" altLang="zh-CN" sz="2400" dirty="0" smtClean="0">
+                <a:rPr lang="en-US" altLang="zh-CN" sz="2400" dirty="0">
                   <a:latin typeface="微软雅黑" panose="020B0503020204020204" pitchFamily="34" charset="-122"/>
                   <a:ea typeface="微软雅黑" panose="020B0503020204020204" pitchFamily="34" charset="-122"/>
                 </a:rPr>
                 <a:t>ThingWorx</a:t>
               </a:r>
-              <a:endParaRPr lang="zh-CN" altLang="en-US" sz="2400" dirty="0" err="1" smtClean="0">
+              <a:endParaRPr lang="zh-CN" altLang="en-US" sz="2400" dirty="0" err="1">
                 <a:latin typeface="微软雅黑" panose="020B0503020204020204" pitchFamily="34" charset="-122"/>
                 <a:ea typeface="微软雅黑" panose="020B0503020204020204" pitchFamily="34" charset="-122"/>
               </a:endParaRPr>
@@ -9356,7 +9328,7 @@
             <a:lstStyle/>
             <a:p>
               <a:r>
-                <a:rPr lang="en-US" altLang="zh-CN" sz="2800" dirty="0" smtClean="0">
+                <a:rPr lang="en-US" altLang="zh-CN" sz="2800" dirty="0">
                   <a:latin typeface="微软雅黑" panose="020B0503020204020204" pitchFamily="34" charset="-122"/>
                   <a:ea typeface="微软雅黑" panose="020B0503020204020204" pitchFamily="34" charset="-122"/>
                 </a:rPr>
@@ -9414,13 +9386,13 @@
             <a:p>
               <a:pPr algn="ctr"/>
               <a:r>
-                <a:rPr lang="en-US" altLang="zh-CN" sz="2400" dirty="0" smtClean="0">
+                <a:rPr lang="en-US" altLang="zh-CN" sz="2400" dirty="0">
                   <a:latin typeface="微软雅黑" panose="020B0503020204020204" pitchFamily="34" charset="-122"/>
                   <a:ea typeface="微软雅黑" panose="020B0503020204020204" pitchFamily="34" charset="-122"/>
                 </a:rPr>
                 <a:t>Android</a:t>
               </a:r>
-              <a:endParaRPr lang="zh-CN" altLang="en-US" sz="2400" dirty="0" err="1" smtClean="0">
+              <a:endParaRPr lang="zh-CN" altLang="en-US" sz="2400" dirty="0" err="1">
                 <a:latin typeface="微软雅黑" panose="020B0503020204020204" pitchFamily="34" charset="-122"/>
                 <a:ea typeface="微软雅黑" panose="020B0503020204020204" pitchFamily="34" charset="-122"/>
               </a:endParaRPr>
@@ -9487,7 +9459,7 @@
             <a:lstStyle/>
             <a:p>
               <a:r>
-                <a:rPr lang="en-US" altLang="zh-CN" sz="2800" dirty="0" smtClean="0">
+                <a:rPr lang="en-US" altLang="zh-CN" sz="2800" dirty="0">
                   <a:latin typeface="微软雅黑" panose="020B0503020204020204" pitchFamily="34" charset="-122"/>
                   <a:ea typeface="微软雅黑" panose="020B0503020204020204" pitchFamily="34" charset="-122"/>
                 </a:rPr>
@@ -9514,13 +9486,6 @@
   <p:transition spd="med">
     <p:pull/>
   </p:transition>
-  <p:timing>
-    <p:tnLst>
-      <p:par>
-        <p:cTn id="1" dur="indefinite" restart="never" nodeType="tmRoot"/>
-      </p:par>
-    </p:tnLst>
-  </p:timing>
 </p:sld>
 </file>
 
@@ -9661,19 +9626,8 @@
                 <a:latin typeface="微软雅黑" panose="020B0503020204020204" pitchFamily="34" charset="-122"/>
                 <a:ea typeface="微软雅黑" panose="020B0503020204020204" pitchFamily="34" charset="-122"/>
               </a:rPr>
-              <a:t>界面成功显示</a:t>
-            </a:r>
-            <a:r>
-              <a:rPr lang="zh-CN" altLang="zh-CN" sz="2400" dirty="0" smtClean="0">
-                <a:latin typeface="微软雅黑" panose="020B0503020204020204" pitchFamily="34" charset="-122"/>
-                <a:ea typeface="微软雅黑" panose="020B0503020204020204" pitchFamily="34" charset="-122"/>
-              </a:rPr>
-              <a:t>数据</a:t>
-            </a:r>
-            <a:endParaRPr lang="zh-CN" altLang="zh-CN" sz="2400" dirty="0">
-              <a:latin typeface="微软雅黑" panose="020B0503020204020204" pitchFamily="34" charset="-122"/>
-              <a:ea typeface="微软雅黑" panose="020B0503020204020204" pitchFamily="34" charset="-122"/>
-            </a:endParaRPr>
+              <a:t>界面成功显示数据</a:t>
+            </a:r>
           </a:p>
         </p:txBody>
       </p:sp>
@@ -9722,13 +9676,6 @@
   <p:transition spd="med">
     <p:pull/>
   </p:transition>
-  <p:timing>
-    <p:tnLst>
-      <p:par>
-        <p:cTn id="1" dur="indefinite" restart="never" nodeType="tmRoot"/>
-      </p:par>
-    </p:tnLst>
-  </p:timing>
 </p:sld>
 </file>
 
@@ -9765,25 +9712,18 @@
           <a:lstStyle/>
           <a:p>
             <a:r>
-              <a:rPr lang="en-US" altLang="zh-CN" dirty="0" smtClean="0">
+              <a:rPr lang="en-US" altLang="zh-CN" dirty="0">
                 <a:latin typeface="微软雅黑" panose="020B0503020204020204" pitchFamily="34" charset="-122"/>
                 <a:ea typeface="微软雅黑" panose="020B0503020204020204" pitchFamily="34" charset="-122"/>
               </a:rPr>
               <a:t>Q&amp;A</a:t>
             </a:r>
             <a:br>
-              <a:rPr lang="en-US" altLang="zh-CN" dirty="0" smtClean="0">
+              <a:rPr lang="en-US" altLang="zh-CN" dirty="0">
                 <a:latin typeface="微软雅黑" panose="020B0503020204020204" pitchFamily="34" charset="-122"/>
                 <a:ea typeface="微软雅黑" panose="020B0503020204020204" pitchFamily="34" charset="-122"/>
               </a:rPr>
             </a:br>
-            <a:r>
-              <a:rPr lang="en-US" altLang="zh-CN" dirty="0">
-                <a:latin typeface="微软雅黑" panose="020B0503020204020204" pitchFamily="34" charset="-122"/>
-                <a:ea typeface="微软雅黑" panose="020B0503020204020204" pitchFamily="34" charset="-122"/>
-              </a:rPr>
-              <a:t/>
-            </a:r>
             <a:br>
               <a:rPr lang="en-US" altLang="zh-CN" dirty="0">
                 <a:latin typeface="微软雅黑" panose="020B0503020204020204" pitchFamily="34" charset="-122"/>
@@ -9842,13 +9782,6 @@
   <p:transition spd="med">
     <p:pull/>
   </p:transition>
-  <p:timing>
-    <p:tnLst>
-      <p:par>
-        <p:cTn id="1" dur="indefinite" restart="never" nodeType="tmRoot"/>
-      </p:par>
-    </p:tnLst>
-  </p:timing>
 </p:sld>
 </file>
 
@@ -9885,16 +9818,12 @@
           <a:lstStyle/>
           <a:p>
             <a:r>
-              <a:rPr lang="zh-CN" altLang="en-US" dirty="0" smtClean="0">
+              <a:rPr lang="zh-CN" altLang="en-US" dirty="0">
                 <a:latin typeface="微软雅黑" panose="020B0503020204020204" pitchFamily="34" charset="-122"/>
                 <a:ea typeface="微软雅黑" panose="020B0503020204020204" pitchFamily="34" charset="-122"/>
               </a:rPr>
               <a:t>小组成员贡献权重</a:t>
             </a:r>
-            <a:endParaRPr lang="zh-CN" altLang="en-US" dirty="0">
-              <a:latin typeface="微软雅黑" panose="020B0503020204020204" pitchFamily="34" charset="-122"/>
-              <a:ea typeface="微软雅黑" panose="020B0503020204020204" pitchFamily="34" charset="-122"/>
-            </a:endParaRPr>
           </a:p>
         </p:txBody>
       </p:sp>
@@ -9919,96 +9848,40 @@
           <a:lstStyle/>
           <a:p>
             <a:r>
-              <a:rPr lang="zh-CN" altLang="en-US" sz="2800" dirty="0" smtClean="0">
-                <a:latin typeface="华文行楷" panose="02010800040101010101" pitchFamily="2" charset="-122"/>
-                <a:ea typeface="华文行楷" panose="02010800040101010101" pitchFamily="2" charset="-122"/>
-              </a:rPr>
-              <a:t>我们</a:t>
-            </a:r>
-            <a:r>
               <a:rPr lang="zh-CN" altLang="en-US" sz="2800" dirty="0">
                 <a:latin typeface="华文行楷" panose="02010800040101010101" pitchFamily="2" charset="-122"/>
                 <a:ea typeface="华文行楷" panose="02010800040101010101" pitchFamily="2" charset="-122"/>
               </a:rPr>
-              <a:t>做了一</a:t>
-            </a:r>
-            <a:r>
-              <a:rPr lang="zh-CN" altLang="en-US" sz="2800" dirty="0" smtClean="0">
-                <a:latin typeface="华文行楷" panose="02010800040101010101" pitchFamily="2" charset="-122"/>
-                <a:ea typeface="华文行楷" panose="02010800040101010101" pitchFamily="2" charset="-122"/>
-              </a:rPr>
-              <a:t>个相当艰难</a:t>
-            </a:r>
+              <a:t>我们做了一个相当艰难的决定，</a:t>
+            </a:r>
+            <a:endParaRPr lang="en-US" altLang="zh-CN" sz="2800" dirty="0">
+              <a:latin typeface="华文行楷" panose="02010800040101010101" pitchFamily="2" charset="-122"/>
+              <a:ea typeface="华文行楷" panose="02010800040101010101" pitchFamily="2" charset="-122"/>
+            </a:endParaRPr>
+          </a:p>
+          <a:p>
             <a:r>
               <a:rPr lang="zh-CN" altLang="en-US" sz="2800" dirty="0">
                 <a:latin typeface="华文行楷" panose="02010800040101010101" pitchFamily="2" charset="-122"/>
                 <a:ea typeface="华文行楷" panose="02010800040101010101" pitchFamily="2" charset="-122"/>
               </a:rPr>
-              <a:t>的决定</a:t>
-            </a:r>
-            <a:r>
-              <a:rPr lang="zh-CN" altLang="en-US" sz="2800" dirty="0" smtClean="0">
+              <a:t>残忍地将成员的努力分成一下</a:t>
+            </a:r>
+            <a:r>
+              <a:rPr lang="en-US" altLang="zh-CN" sz="2800" dirty="0">
                 <a:latin typeface="华文行楷" panose="02010800040101010101" pitchFamily="2" charset="-122"/>
                 <a:ea typeface="华文行楷" panose="02010800040101010101" pitchFamily="2" charset="-122"/>
               </a:rPr>
-              <a:t>，</a:t>
-            </a:r>
-            <a:endParaRPr lang="en-US" altLang="zh-CN" sz="2800" dirty="0" smtClean="0">
-              <a:latin typeface="华文行楷" panose="02010800040101010101" pitchFamily="2" charset="-122"/>
-              <a:ea typeface="华文行楷" panose="02010800040101010101" pitchFamily="2" charset="-122"/>
-            </a:endParaRPr>
-          </a:p>
-          <a:p>
-            <a:r>
-              <a:rPr lang="zh-CN" altLang="en-US" sz="2800" dirty="0" smtClean="0">
-                <a:latin typeface="华文行楷" panose="02010800040101010101" pitchFamily="2" charset="-122"/>
-                <a:ea typeface="华文行楷" panose="02010800040101010101" pitchFamily="2" charset="-122"/>
-              </a:rPr>
-              <a:t>残忍</a:t>
+              <a:t>3</a:t>
             </a:r>
             <a:r>
               <a:rPr lang="zh-CN" altLang="en-US" sz="2800" dirty="0">
                 <a:latin typeface="华文行楷" panose="02010800040101010101" pitchFamily="2" charset="-122"/>
                 <a:ea typeface="华文行楷" panose="02010800040101010101" pitchFamily="2" charset="-122"/>
               </a:rPr>
-              <a:t>地</a:t>
-            </a:r>
-            <a:r>
-              <a:rPr lang="zh-CN" altLang="en-US" sz="2800" dirty="0" smtClean="0">
-                <a:latin typeface="华文行楷" panose="02010800040101010101" pitchFamily="2" charset="-122"/>
-                <a:ea typeface="华文行楷" panose="02010800040101010101" pitchFamily="2" charset="-122"/>
-              </a:rPr>
-              <a:t>将成员</a:t>
-            </a:r>
-            <a:r>
-              <a:rPr lang="zh-CN" altLang="en-US" sz="2800" dirty="0">
-                <a:latin typeface="华文行楷" panose="02010800040101010101" pitchFamily="2" charset="-122"/>
-                <a:ea typeface="华文行楷" panose="02010800040101010101" pitchFamily="2" charset="-122"/>
-              </a:rPr>
-              <a:t>的努力分成</a:t>
-            </a:r>
-            <a:r>
-              <a:rPr lang="zh-CN" altLang="en-US" sz="2800" dirty="0" smtClean="0">
-                <a:latin typeface="华文行楷" panose="02010800040101010101" pitchFamily="2" charset="-122"/>
-                <a:ea typeface="华文行楷" panose="02010800040101010101" pitchFamily="2" charset="-122"/>
-              </a:rPr>
-              <a:t>一下</a:t>
-            </a:r>
-            <a:r>
-              <a:rPr lang="en-US" altLang="zh-CN" sz="2800" dirty="0" smtClean="0">
-                <a:latin typeface="华文行楷" panose="02010800040101010101" pitchFamily="2" charset="-122"/>
-                <a:ea typeface="华文行楷" panose="02010800040101010101" pitchFamily="2" charset="-122"/>
-              </a:rPr>
-              <a:t>3</a:t>
-            </a:r>
-            <a:r>
-              <a:rPr lang="zh-CN" altLang="en-US" sz="2800" dirty="0" smtClean="0">
-                <a:latin typeface="华文行楷" panose="02010800040101010101" pitchFamily="2" charset="-122"/>
-                <a:ea typeface="华文行楷" panose="02010800040101010101" pitchFamily="2" charset="-122"/>
-              </a:rPr>
               <a:t>类。</a:t>
             </a:r>
-            <a:endParaRPr lang="en-US" altLang="zh-CN" sz="2800" dirty="0" smtClean="0">
+            <a:endParaRPr lang="en-US" altLang="zh-CN" sz="2800" dirty="0">
               <a:latin typeface="华文行楷" panose="02010800040101010101" pitchFamily="2" charset="-122"/>
               <a:ea typeface="华文行楷" panose="02010800040101010101" pitchFamily="2" charset="-122"/>
             </a:endParaRPr>
@@ -10048,28 +9921,28 @@
               <a:buAutoNum type="arabicPeriod"/>
             </a:pPr>
             <a:r>
-              <a:rPr lang="zh-CN" altLang="en-US" sz="3200" dirty="0" smtClean="0">
+              <a:rPr lang="zh-CN" altLang="en-US" sz="3200" dirty="0">
                 <a:latin typeface="微软雅黑" panose="020B0503020204020204" pitchFamily="34" charset="-122"/>
                 <a:ea typeface="微软雅黑" panose="020B0503020204020204" pitchFamily="34" charset="-122"/>
               </a:rPr>
               <a:t>郑楠</a:t>
             </a:r>
             <a:r>
-              <a:rPr lang="en-US" altLang="zh-CN" sz="3200" dirty="0" smtClean="0">
+              <a:rPr lang="en-US" altLang="zh-CN" sz="3200" dirty="0">
                 <a:latin typeface="微软雅黑" panose="020B0503020204020204" pitchFamily="34" charset="-122"/>
                 <a:ea typeface="微软雅黑" panose="020B0503020204020204" pitchFamily="34" charset="-122"/>
               </a:rPr>
               <a:t>		</a:t>
             </a:r>
             <a:r>
-              <a:rPr lang="en-US" altLang="zh-TW" sz="3200" dirty="0" smtClean="0">
+              <a:rPr lang="en-US" altLang="zh-TW" sz="3200" dirty="0">
                 <a:latin typeface="微软雅黑" panose="020B0503020204020204" pitchFamily="34" charset="-122"/>
                 <a:ea typeface="微软雅黑" panose="020B0503020204020204" pitchFamily="34" charset="-122"/>
               </a:rPr>
               <a:t>PPT</a:t>
             </a:r>
             <a:r>
-              <a:rPr lang="zh-CN" altLang="en-US" sz="3200" dirty="0" smtClean="0">
+              <a:rPr lang="zh-CN" altLang="en-US" sz="3200" dirty="0">
                 <a:latin typeface="微软雅黑" panose="020B0503020204020204" pitchFamily="34" charset="-122"/>
                 <a:ea typeface="微软雅黑" panose="020B0503020204020204" pitchFamily="34" charset="-122"/>
               </a:rPr>
@@ -10080,17 +9953,10 @@
                 <a:latin typeface="微软雅黑" panose="020B0503020204020204" pitchFamily="34" charset="-122"/>
                 <a:ea typeface="微软雅黑" panose="020B0503020204020204" pitchFamily="34" charset="-122"/>
               </a:rPr>
-              <a:t> </a:t>
-            </a:r>
-            <a:r>
-              <a:rPr lang="en-US" altLang="zh-CN" sz="3200" dirty="0" smtClean="0">
-                <a:latin typeface="微软雅黑" panose="020B0503020204020204" pitchFamily="34" charset="-122"/>
-                <a:ea typeface="微软雅黑" panose="020B0503020204020204" pitchFamily="34" charset="-122"/>
-              </a:rPr>
-              <a:t>  </a:t>
-            </a:r>
-            <a:r>
-              <a:rPr lang="zh-CN" altLang="en-US" sz="3200" dirty="0" smtClean="0">
+              <a:t>   </a:t>
+            </a:r>
+            <a:r>
+              <a:rPr lang="zh-CN" altLang="en-US" sz="3200" dirty="0">
                 <a:latin typeface="微软雅黑" panose="020B0503020204020204" pitchFamily="34" charset="-122"/>
                 <a:ea typeface="微软雅黑" panose="020B0503020204020204" pitchFamily="34" charset="-122"/>
               </a:rPr>
@@ -10107,46 +9973,39 @@
               <a:buAutoNum type="arabicPeriod"/>
             </a:pPr>
             <a:r>
-              <a:rPr lang="zh-CN" altLang="en-US" sz="3200" dirty="0" smtClean="0">
+              <a:rPr lang="zh-CN" altLang="en-US" sz="3200" dirty="0">
                 <a:latin typeface="微软雅黑" panose="020B0503020204020204" pitchFamily="34" charset="-122"/>
                 <a:ea typeface="微软雅黑" panose="020B0503020204020204" pitchFamily="34" charset="-122"/>
               </a:rPr>
               <a:t>张佳</a:t>
             </a:r>
             <a:r>
-              <a:rPr lang="en-US" altLang="zh-CN" sz="3200" dirty="0" smtClean="0">
+              <a:rPr lang="en-US" altLang="zh-CN" sz="3200" dirty="0">
                 <a:latin typeface="微软雅黑" panose="020B0503020204020204" pitchFamily="34" charset="-122"/>
                 <a:ea typeface="微软雅黑" panose="020B0503020204020204" pitchFamily="34" charset="-122"/>
               </a:rPr>
               <a:t>		</a:t>
             </a:r>
             <a:r>
-              <a:rPr lang="zh-CN" altLang="en-US" sz="3200" dirty="0" smtClean="0">
+              <a:rPr lang="zh-CN" altLang="en-US" sz="3200" dirty="0">
                 <a:latin typeface="微软雅黑" panose="020B0503020204020204" pitchFamily="34" charset="-122"/>
                 <a:ea typeface="微软雅黑" panose="020B0503020204020204" pitchFamily="34" charset="-122"/>
               </a:rPr>
               <a:t>需求调查</a:t>
             </a:r>
             <a:r>
-              <a:rPr lang="en-US" altLang="zh-CN" sz="3200" dirty="0" smtClean="0">
+              <a:rPr lang="en-US" altLang="zh-CN" sz="3200" dirty="0">
                 <a:latin typeface="微软雅黑" panose="020B0503020204020204" pitchFamily="34" charset="-122"/>
                 <a:ea typeface="微软雅黑" panose="020B0503020204020204" pitchFamily="34" charset="-122"/>
               </a:rPr>
               <a:t>	 </a:t>
             </a:r>
             <a:r>
-              <a:rPr lang="zh-CN" altLang="en-US" sz="3200" dirty="0" smtClean="0">
-                <a:latin typeface="微软雅黑" panose="020B0503020204020204" pitchFamily="34" charset="-122"/>
-                <a:ea typeface="微软雅黑" panose="020B0503020204020204" pitchFamily="34" charset="-122"/>
-              </a:rPr>
-              <a:t>问题</a:t>
-            </a:r>
-            <a:r>
               <a:rPr lang="zh-CN" altLang="en-US" sz="3200" dirty="0">
                 <a:latin typeface="微软雅黑" panose="020B0503020204020204" pitchFamily="34" charset="-122"/>
                 <a:ea typeface="微软雅黑" panose="020B0503020204020204" pitchFamily="34" charset="-122"/>
               </a:rPr>
-              <a:t>提出 </a:t>
+              <a:t>问题提出 </a:t>
             </a:r>
             <a:endParaRPr lang="en-US" altLang="zh-CN" sz="3200" dirty="0">
               <a:latin typeface="微软雅黑" panose="020B0503020204020204" pitchFamily="34" charset="-122"/>
@@ -10159,63 +10018,42 @@
               <a:buAutoNum type="arabicPeriod"/>
             </a:pPr>
             <a:r>
-              <a:rPr lang="zh-CN" altLang="en-US" sz="3200" dirty="0" smtClean="0">
-                <a:latin typeface="微软雅黑" panose="020B0503020204020204" pitchFamily="34" charset="-122"/>
-                <a:ea typeface="微软雅黑" panose="020B0503020204020204" pitchFamily="34" charset="-122"/>
-              </a:rPr>
-              <a:t>吴</a:t>
-            </a:r>
-            <a:r>
               <a:rPr lang="zh-CN" altLang="en-US" sz="3200" dirty="0">
                 <a:latin typeface="微软雅黑" panose="020B0503020204020204" pitchFamily="34" charset="-122"/>
                 <a:ea typeface="微软雅黑" panose="020B0503020204020204" pitchFamily="34" charset="-122"/>
               </a:rPr>
-              <a:t>舒</a:t>
-            </a:r>
-            <a:r>
-              <a:rPr lang="zh-CN" altLang="en-US" sz="3200" dirty="0" smtClean="0">
-                <a:latin typeface="微软雅黑" panose="020B0503020204020204" pitchFamily="34" charset="-122"/>
-                <a:ea typeface="微软雅黑" panose="020B0503020204020204" pitchFamily="34" charset="-122"/>
-              </a:rPr>
-              <a:t>然</a:t>
+              <a:t>吴舒然</a:t>
             </a:r>
             <a:r>
               <a:rPr lang="en-US" altLang="zh-CN" sz="3200" dirty="0">
                 <a:latin typeface="微软雅黑" panose="020B0503020204020204" pitchFamily="34" charset="-122"/>
                 <a:ea typeface="微软雅黑" panose="020B0503020204020204" pitchFamily="34" charset="-122"/>
               </a:rPr>
-              <a:t>	</a:t>
-            </a:r>
-            <a:r>
-              <a:rPr lang="en-US" altLang="zh-CN" sz="3200" dirty="0" smtClean="0">
-                <a:latin typeface="微软雅黑" panose="020B0503020204020204" pitchFamily="34" charset="-122"/>
-                <a:ea typeface="微软雅黑" panose="020B0503020204020204" pitchFamily="34" charset="-122"/>
-              </a:rPr>
-              <a:t>	</a:t>
-            </a:r>
-            <a:r>
-              <a:rPr lang="en-US" altLang="zh-CN" sz="3200" dirty="0" err="1" smtClean="0">
+              <a:t>		</a:t>
+            </a:r>
+            <a:r>
+              <a:rPr lang="en-US" altLang="zh-CN" sz="3200" dirty="0" err="1">
                 <a:latin typeface="微软雅黑" panose="020B0503020204020204" pitchFamily="34" charset="-122"/>
                 <a:ea typeface="微软雅黑" panose="020B0503020204020204" pitchFamily="34" charset="-122"/>
               </a:rPr>
               <a:t>ppt</a:t>
             </a:r>
             <a:r>
-              <a:rPr lang="zh-CN" altLang="en-US" sz="3200" dirty="0" smtClean="0">
+              <a:rPr lang="zh-CN" altLang="en-US" sz="3200" dirty="0">
                 <a:latin typeface="微软雅黑" panose="020B0503020204020204" pitchFamily="34" charset="-122"/>
                 <a:ea typeface="微软雅黑" panose="020B0503020204020204" pitchFamily="34" charset="-122"/>
               </a:rPr>
               <a:t>审核    </a:t>
             </a:r>
             <a:r>
-              <a:rPr lang="en-US" altLang="zh-CN" sz="3200" dirty="0" smtClean="0">
+              <a:rPr lang="en-US" altLang="zh-CN" sz="3200" dirty="0">
                 <a:latin typeface="微软雅黑" panose="020B0503020204020204" pitchFamily="34" charset="-122"/>
                 <a:ea typeface="微软雅黑" panose="020B0503020204020204" pitchFamily="34" charset="-122"/>
               </a:rPr>
               <a:t>FAQ</a:t>
             </a:r>
             <a:r>
-              <a:rPr lang="zh-CN" altLang="en-US" sz="3200" dirty="0" smtClean="0">
+              <a:rPr lang="zh-CN" altLang="en-US" sz="3200" dirty="0">
                 <a:latin typeface="微软雅黑" panose="020B0503020204020204" pitchFamily="34" charset="-122"/>
                 <a:ea typeface="微软雅黑" panose="020B0503020204020204" pitchFamily="34" charset="-122"/>
               </a:rPr>
@@ -10273,13 +10111,6 @@
   <p:transition spd="med">
     <p:pull/>
   </p:transition>
-  <p:timing>
-    <p:tnLst>
-      <p:par>
-        <p:cTn id="1" dur="indefinite" restart="never" nodeType="tmRoot"/>
-      </p:par>
-    </p:tnLst>
-  </p:timing>
 </p:sld>
 </file>
 
@@ -10320,7 +10151,7 @@
               <a:buAutoNum type="arabicPeriod"/>
             </a:pPr>
             <a:r>
-              <a:rPr lang="en-US" altLang="zh-CN" dirty="0" smtClean="0">
+              <a:rPr lang="en-US" altLang="zh-CN" dirty="0">
                 <a:latin typeface="微软雅黑" panose="020B0503020204020204" pitchFamily="34" charset="-122"/>
                 <a:ea typeface="微软雅黑" panose="020B0503020204020204" pitchFamily="34" charset="-122"/>
                 <a:hlinkClick r:id="rId2" action="ppaction://hlinksldjump"/>
@@ -10328,14 +10159,14 @@
               <a:t>^</a:t>
             </a:r>
             <a:r>
-              <a:rPr lang="en-US" altLang="zh-CN" dirty="0" smtClean="0">
+              <a:rPr lang="en-US" altLang="zh-CN" dirty="0">
                 <a:latin typeface="微软雅黑" panose="020B0503020204020204" pitchFamily="34" charset="-122"/>
                 <a:ea typeface="微软雅黑" panose="020B0503020204020204" pitchFamily="34" charset="-122"/>
               </a:rPr>
               <a:t> </a:t>
             </a:r>
             <a:r>
-              <a:rPr lang="zh-CN" altLang="en-US" dirty="0" smtClean="0">
+              <a:rPr lang="zh-CN" altLang="en-US" dirty="0">
                 <a:latin typeface="微软雅黑" panose="020B0503020204020204" pitchFamily="34" charset="-122"/>
                 <a:ea typeface="微软雅黑" panose="020B0503020204020204" pitchFamily="34" charset="-122"/>
                 <a:hlinkClick r:id="rId3" action="ppaction://hlinkfile"/>
@@ -10343,7 +10174,7 @@
               <a:t>项目说明</a:t>
             </a:r>
             <a:r>
-              <a:rPr lang="en-US" altLang="zh-CN" dirty="0" smtClean="0">
+              <a:rPr lang="en-US" altLang="zh-CN" dirty="0">
                 <a:latin typeface="微软雅黑" panose="020B0503020204020204" pitchFamily="34" charset="-122"/>
                 <a:ea typeface="微软雅黑" panose="020B0503020204020204" pitchFamily="34" charset="-122"/>
                 <a:hlinkClick r:id="rId3" action="ppaction://hlinkfile"/>
@@ -10405,7 +10236,7 @@
           <a:lstStyle/>
           <a:p>
             <a:r>
-              <a:rPr lang="en-US" altLang="zh-CN" dirty="0" smtClean="0">
+              <a:rPr lang="en-US" altLang="zh-CN" dirty="0">
                 <a:latin typeface="思源黑体 CN Medium" panose="020B0600000000000000" pitchFamily="34" charset="-122"/>
                 <a:ea typeface="思源黑体 CN Medium" panose="020B0600000000000000" pitchFamily="34" charset="-122"/>
               </a:rPr>
@@ -10452,13 +10283,6 @@
               </a:rPr>
               <a:t>规范：</a:t>
             </a:r>
-            <a:r>
-              <a:rPr lang="en-US" altLang="zh-CN" sz="2000" dirty="0">
-                <a:latin typeface="思源黑体 CN Medium" panose="020B0600000000000000" pitchFamily="34" charset="-122"/>
-                <a:ea typeface="思源黑体 CN Medium" panose="020B0600000000000000" pitchFamily="34" charset="-122"/>
-              </a:rPr>
-              <a:t/>
-            </a:r>
             <a:br>
               <a:rPr lang="en-US" altLang="zh-CN" sz="2000" dirty="0">
                 <a:latin typeface="思源黑体 CN Medium" panose="020B0600000000000000" pitchFamily="34" charset="-122"/>
@@ -10470,35 +10294,14 @@
                 <a:latin typeface="思源黑体 CN Medium" panose="020B0600000000000000" pitchFamily="34" charset="-122"/>
                 <a:ea typeface="思源黑体 CN Medium" panose="020B0600000000000000" pitchFamily="34" charset="-122"/>
               </a:rPr>
-              <a:t>[1</a:t>
-            </a:r>
-            <a:r>
-              <a:rPr lang="en-US" altLang="zh-CN" sz="2000" baseline="30000" dirty="0" smtClean="0">
-                <a:latin typeface="思源黑体 CN Medium" panose="020B0600000000000000" pitchFamily="34" charset="-122"/>
-                <a:ea typeface="思源黑体 CN Medium" panose="020B0600000000000000" pitchFamily="34" charset="-122"/>
-              </a:rPr>
-              <a:t>]   </a:t>
-            </a:r>
-            <a:r>
-              <a:rPr lang="zh-CN" altLang="en-US" sz="2000" dirty="0" smtClean="0">
-                <a:latin typeface="思源黑体 CN Medium" panose="020B0600000000000000" pitchFamily="34" charset="-122"/>
-                <a:ea typeface="思源黑体 CN Medium" panose="020B0600000000000000" pitchFamily="34" charset="-122"/>
-              </a:rPr>
-              <a:t>代表</a:t>
+              <a:t>[1]   </a:t>
             </a:r>
             <a:r>
               <a:rPr lang="zh-CN" altLang="en-US" sz="2000" dirty="0">
                 <a:latin typeface="思源黑体 CN Medium" panose="020B0600000000000000" pitchFamily="34" charset="-122"/>
                 <a:ea typeface="思源黑体 CN Medium" panose="020B0600000000000000" pitchFamily="34" charset="-122"/>
               </a:rPr>
-              <a:t>第一条索引</a:t>
-            </a:r>
-            <a:r>
-              <a:rPr lang="en-US" altLang="zh-CN" sz="2000" dirty="0">
-                <a:latin typeface="思源黑体 CN Medium" panose="020B0600000000000000" pitchFamily="34" charset="-122"/>
-                <a:ea typeface="思源黑体 CN Medium" panose="020B0600000000000000" pitchFamily="34" charset="-122"/>
-              </a:rPr>
-              <a:t/>
+              <a:t>代表第一条索引</a:t>
             </a:r>
             <a:br>
               <a:rPr lang="en-US" altLang="zh-CN" sz="2000" dirty="0">
@@ -10507,25 +10310,18 @@
               </a:rPr>
             </a:br>
             <a:r>
-              <a:rPr lang="en-US" altLang="zh-CN" sz="2000" dirty="0" smtClean="0">
+              <a:rPr lang="en-US" altLang="zh-CN" sz="2000" dirty="0">
                 <a:latin typeface="思源黑体 CN Medium" panose="020B0600000000000000" pitchFamily="34" charset="-122"/>
                 <a:ea typeface="思源黑体 CN Medium" panose="020B0600000000000000" pitchFamily="34" charset="-122"/>
               </a:rPr>
               <a:t>^   </a:t>
-            </a:r>
-            <a:r>
-              <a:rPr lang="zh-CN" altLang="en-US" sz="2000" dirty="0" smtClean="0">
-                <a:latin typeface="思源黑体 CN Medium" panose="020B0600000000000000" pitchFamily="34" charset="-122"/>
-                <a:ea typeface="思源黑体 CN Medium" panose="020B0600000000000000" pitchFamily="34" charset="-122"/>
-              </a:rPr>
-              <a:t>代表</a:t>
             </a:r>
             <a:r>
               <a:rPr lang="zh-CN" altLang="en-US" sz="2000" dirty="0">
                 <a:latin typeface="思源黑体 CN Medium" panose="020B0600000000000000" pitchFamily="34" charset="-122"/>
                 <a:ea typeface="思源黑体 CN Medium" panose="020B0600000000000000" pitchFamily="34" charset="-122"/>
               </a:rPr>
-              <a:t>索引在原文出现的位置</a:t>
+              <a:t>代表索引在原文出现的位置</a:t>
             </a:r>
             <a:endParaRPr lang="en-US" altLang="zh-CN" sz="2000" dirty="0">
               <a:latin typeface="思源黑体 CN Medium" panose="020B0600000000000000" pitchFamily="34" charset="-122"/>
@@ -10534,25 +10330,18 @@
           </a:p>
           <a:p>
             <a:r>
-              <a:rPr lang="en-US" altLang="zh-CN" sz="2000" dirty="0" smtClean="0">
+              <a:rPr lang="en-US" altLang="zh-CN" sz="2000" dirty="0">
                 <a:latin typeface="思源黑体 CN Medium" panose="020B0600000000000000" pitchFamily="34" charset="-122"/>
                 <a:ea typeface="思源黑体 CN Medium" panose="020B0600000000000000" pitchFamily="34" charset="-122"/>
               </a:rPr>
               <a:t>()  </a:t>
-            </a:r>
-            <a:r>
-              <a:rPr lang="zh-CN" altLang="en-US" sz="2000" dirty="0" smtClean="0">
-                <a:latin typeface="思源黑体 CN Medium" panose="020B0600000000000000" pitchFamily="34" charset="-122"/>
-                <a:ea typeface="思源黑体 CN Medium" panose="020B0600000000000000" pitchFamily="34" charset="-122"/>
-              </a:rPr>
-              <a:t>代表</a:t>
             </a:r>
             <a:r>
               <a:rPr lang="zh-CN" altLang="en-US" sz="2000" dirty="0">
                 <a:latin typeface="思源黑体 CN Medium" panose="020B0600000000000000" pitchFamily="34" charset="-122"/>
                 <a:ea typeface="思源黑体 CN Medium" panose="020B0600000000000000" pitchFamily="34" charset="-122"/>
               </a:rPr>
-              <a:t>索引在当时的日期版本，遵循</a:t>
+              <a:t>代表索引在当时的日期版本，遵循</a:t>
             </a:r>
             <a:r>
               <a:rPr lang="en-US" altLang="zh-CN" sz="2000" dirty="0">
@@ -10581,13 +10370,6 @@
   <p:transition spd="med">
     <p:pull/>
   </p:transition>
-  <p:timing>
-    <p:tnLst>
-      <p:par>
-        <p:cTn id="1" dur="indefinite" restart="never" nodeType="tmRoot"/>
-      </p:par>
-    </p:tnLst>
-  </p:timing>
 </p:sld>
 </file>
 
@@ -10624,30 +10406,26 @@
           <a:lstStyle/>
           <a:p>
             <a:r>
-              <a:rPr lang="zh-CN" altLang="en-US" dirty="0" smtClean="0">
+              <a:rPr lang="zh-CN" altLang="en-US" dirty="0">
                 <a:latin typeface="微软雅黑" panose="020B0503020204020204" pitchFamily="34" charset="-122"/>
                 <a:ea typeface="微软雅黑" panose="020B0503020204020204" pitchFamily="34" charset="-122"/>
               </a:rPr>
               <a:t>目</a:t>
             </a:r>
             <a:r>
-              <a:rPr lang="en-US" altLang="zh-CN" dirty="0" smtClean="0">
+              <a:rPr lang="en-US" altLang="zh-CN" dirty="0">
                 <a:latin typeface="微软雅黑" panose="020B0503020204020204" pitchFamily="34" charset="-122"/>
                 <a:ea typeface="微软雅黑" panose="020B0503020204020204" pitchFamily="34" charset="-122"/>
               </a:rPr>
               <a:t>	</a:t>
             </a:r>
             <a:r>
-              <a:rPr lang="zh-CN" altLang="en-US" dirty="0" smtClean="0">
+              <a:rPr lang="zh-CN" altLang="en-US" dirty="0">
                 <a:latin typeface="微软雅黑" panose="020B0503020204020204" pitchFamily="34" charset="-122"/>
                 <a:ea typeface="微软雅黑" panose="020B0503020204020204" pitchFamily="34" charset="-122"/>
               </a:rPr>
               <a:t>录</a:t>
             </a:r>
-            <a:endParaRPr lang="zh-CN" altLang="en-US" dirty="0">
-              <a:latin typeface="微软雅黑" panose="020B0503020204020204" pitchFamily="34" charset="-122"/>
-              <a:ea typeface="微软雅黑" panose="020B0503020204020204" pitchFamily="34" charset="-122"/>
-            </a:endParaRPr>
           </a:p>
         </p:txBody>
       </p:sp>
@@ -10676,7 +10454,7 @@
             <a:pPr marL="0" indent="0">
               <a:buNone/>
             </a:pPr>
-            <a:endParaRPr lang="en-US" altLang="zh-CN" sz="3200" dirty="0" smtClean="0">
+            <a:endParaRPr lang="en-US" altLang="zh-CN" sz="3200" dirty="0">
               <a:latin typeface="微软雅黑" panose="020B0503020204020204" pitchFamily="34" charset="-122"/>
               <a:ea typeface="微软雅黑" panose="020B0503020204020204" pitchFamily="34" charset="-122"/>
               <a:hlinkClick r:id="rId2" action="ppaction://hlinksldjump"/>
@@ -10688,14 +10466,14 @@
               <a:buAutoNum type="arabicPeriod"/>
             </a:pPr>
             <a:r>
-              <a:rPr lang="zh-CN" altLang="en-US" sz="3200" dirty="0" smtClean="0">
+              <a:rPr lang="zh-CN" altLang="en-US" sz="3200" dirty="0">
                 <a:latin typeface="微软雅黑" panose="020B0503020204020204" pitchFamily="34" charset="-122"/>
                 <a:ea typeface="微软雅黑" panose="020B0503020204020204" pitchFamily="34" charset="-122"/>
                 <a:hlinkClick r:id="rId2" action="ppaction://hlinksldjump"/>
               </a:rPr>
               <a:t>项目说明</a:t>
             </a:r>
-            <a:endParaRPr lang="en-US" altLang="zh-CN" sz="3200" dirty="0" smtClean="0">
+            <a:endParaRPr lang="en-US" altLang="zh-CN" sz="3200" dirty="0">
               <a:latin typeface="微软雅黑" panose="020B0503020204020204" pitchFamily="34" charset="-122"/>
               <a:ea typeface="微软雅黑" panose="020B0503020204020204" pitchFamily="34" charset="-122"/>
             </a:endParaRPr>
@@ -10706,14 +10484,14 @@
               <a:buAutoNum type="arabicPeriod"/>
             </a:pPr>
             <a:r>
-              <a:rPr lang="zh-CN" altLang="en-US" sz="3200" dirty="0" smtClean="0">
+              <a:rPr lang="zh-CN" altLang="en-US" sz="3200" dirty="0">
                 <a:latin typeface="微软雅黑" panose="020B0503020204020204" pitchFamily="34" charset="-122"/>
                 <a:ea typeface="微软雅黑" panose="020B0503020204020204" pitchFamily="34" charset="-122"/>
                 <a:hlinkClick r:id="rId3" action="ppaction://hlinksldjump"/>
               </a:rPr>
               <a:t>适用人群</a:t>
             </a:r>
-            <a:endParaRPr lang="en-US" altLang="zh-CN" sz="3200" dirty="0" smtClean="0">
+            <a:endParaRPr lang="en-US" altLang="zh-CN" sz="3200" dirty="0">
               <a:latin typeface="微软雅黑" panose="020B0503020204020204" pitchFamily="34" charset="-122"/>
               <a:ea typeface="微软雅黑" panose="020B0503020204020204" pitchFamily="34" charset="-122"/>
             </a:endParaRPr>
@@ -10724,14 +10502,14 @@
               <a:buAutoNum type="arabicPeriod"/>
             </a:pPr>
             <a:r>
-              <a:rPr lang="zh-CN" altLang="en-US" sz="3200" dirty="0" smtClean="0">
+              <a:rPr lang="zh-CN" altLang="en-US" sz="3200" dirty="0">
                 <a:latin typeface="微软雅黑" panose="020B0503020204020204" pitchFamily="34" charset="-122"/>
                 <a:ea typeface="微软雅黑" panose="020B0503020204020204" pitchFamily="34" charset="-122"/>
                 <a:hlinkClick r:id="rId4" action="ppaction://hlinksldjump"/>
               </a:rPr>
               <a:t>项目限制</a:t>
             </a:r>
-            <a:endParaRPr lang="en-US" altLang="zh-CN" sz="3200" dirty="0" smtClean="0">
+            <a:endParaRPr lang="en-US" altLang="zh-CN" sz="3200" dirty="0">
               <a:latin typeface="微软雅黑" panose="020B0503020204020204" pitchFamily="34" charset="-122"/>
               <a:ea typeface="微软雅黑" panose="020B0503020204020204" pitchFamily="34" charset="-122"/>
             </a:endParaRPr>
@@ -10747,17 +10525,9 @@
                 <a:ea typeface="微软雅黑" panose="020B0503020204020204" pitchFamily="34" charset="-122"/>
                 <a:hlinkClick r:id="rId5" action="ppaction://hlinksldjump"/>
               </a:rPr>
-              <a:t>设备</a:t>
-            </a:r>
-            <a:r>
-              <a:rPr lang="zh-CN" altLang="en-US" sz="3200" dirty="0" smtClean="0">
-                <a:latin typeface="微软雅黑" panose="020B0503020204020204" pitchFamily="34" charset="-122"/>
-                <a:ea typeface="微软雅黑" panose="020B0503020204020204" pitchFamily="34" charset="-122"/>
-                <a:hlinkClick r:id="rId5" action="ppaction://hlinksldjump"/>
-              </a:rPr>
-              <a:t>需求</a:t>
-            </a:r>
-            <a:endParaRPr lang="en-US" altLang="zh-CN" sz="3200" dirty="0" smtClean="0">
+              <a:t>设备需求</a:t>
+            </a:r>
+            <a:endParaRPr lang="en-US" altLang="zh-CN" sz="3200" dirty="0">
               <a:latin typeface="微软雅黑" panose="020B0503020204020204" pitchFamily="34" charset="-122"/>
               <a:ea typeface="微软雅黑" panose="020B0503020204020204" pitchFamily="34" charset="-122"/>
             </a:endParaRPr>
@@ -10773,17 +10543,9 @@
                 <a:ea typeface="微软雅黑" panose="020B0503020204020204" pitchFamily="34" charset="-122"/>
                 <a:hlinkClick r:id="rId6" action="ppaction://hlinksldjump"/>
               </a:rPr>
-              <a:t>功能</a:t>
-            </a:r>
-            <a:r>
-              <a:rPr lang="zh-CN" altLang="en-US" sz="3200" dirty="0" smtClean="0">
-                <a:latin typeface="微软雅黑" panose="020B0503020204020204" pitchFamily="34" charset="-122"/>
-                <a:ea typeface="微软雅黑" panose="020B0503020204020204" pitchFamily="34" charset="-122"/>
-                <a:hlinkClick r:id="rId6" action="ppaction://hlinksldjump"/>
-              </a:rPr>
-              <a:t>说明</a:t>
-            </a:r>
-            <a:endParaRPr lang="en-US" altLang="zh-CN" sz="3200" dirty="0" smtClean="0">
+              <a:t>功能说明</a:t>
+            </a:r>
+            <a:endParaRPr lang="en-US" altLang="zh-CN" sz="3200" dirty="0">
               <a:latin typeface="微软雅黑" panose="020B0503020204020204" pitchFamily="34" charset="-122"/>
               <a:ea typeface="微软雅黑" panose="020B0503020204020204" pitchFamily="34" charset="-122"/>
             </a:endParaRPr>
@@ -10851,13 +10613,6 @@
   <p:transition spd="med">
     <p:pull/>
   </p:transition>
-  <p:timing>
-    <p:tnLst>
-      <p:par>
-        <p:cTn id="1" dur="indefinite" restart="never" nodeType="tmRoot"/>
-      </p:par>
-    </p:tnLst>
-  </p:timing>
 </p:sld>
 </file>
 
@@ -10894,18 +10649,11 @@
           <a:lstStyle/>
           <a:p>
             <a:r>
-              <a:rPr lang="zh-CN" altLang="en-US" sz="4400" dirty="0" smtClean="0">
-                <a:latin typeface="微软雅黑" panose="020B0503020204020204" pitchFamily="34" charset="-122"/>
-                <a:ea typeface="微软雅黑" panose="020B0503020204020204" pitchFamily="34" charset="-122"/>
-              </a:rPr>
-              <a:t>项目</a:t>
-            </a:r>
-            <a:r>
               <a:rPr lang="zh-CN" altLang="en-US" sz="4400" dirty="0">
                 <a:latin typeface="微软雅黑" panose="020B0503020204020204" pitchFamily="34" charset="-122"/>
                 <a:ea typeface="微软雅黑" panose="020B0503020204020204" pitchFamily="34" charset="-122"/>
               </a:rPr>
-              <a:t>说明</a:t>
+              <a:t>项目说明</a:t>
             </a:r>
             <a:endParaRPr lang="zh-CN" altLang="en-US" dirty="0"/>
           </a:p>
@@ -10932,53 +10680,39 @@
               <a:buNone/>
             </a:pPr>
             <a:r>
-              <a:rPr lang="en-US" altLang="zh-CN" sz="2400" dirty="0" smtClean="0">
+              <a:rPr lang="en-US" altLang="zh-CN" sz="2400" dirty="0">
                 <a:latin typeface="微软雅黑" panose="020B0503020204020204" pitchFamily="34" charset="-122"/>
                 <a:ea typeface="微软雅黑" panose="020B0503020204020204" pitchFamily="34" charset="-122"/>
               </a:rPr>
               <a:t>	</a:t>
             </a:r>
             <a:r>
-              <a:rPr lang="zh-CN" altLang="en-US" sz="2400" dirty="0" smtClean="0">
+              <a:rPr lang="zh-CN" altLang="en-US" sz="2400" dirty="0">
                 <a:latin typeface="微软雅黑" panose="020B0503020204020204" pitchFamily="34" charset="-122"/>
                 <a:ea typeface="微软雅黑" panose="020B0503020204020204" pitchFamily="34" charset="-122"/>
               </a:rPr>
               <a:t>本项目的目的是</a:t>
             </a:r>
             <a:r>
-              <a:rPr lang="zh-CN" altLang="zh-CN" sz="2400" dirty="0" smtClean="0">
+              <a:rPr lang="zh-CN" altLang="zh-CN" sz="2400" dirty="0">
                 <a:latin typeface="微软雅黑" panose="020B0503020204020204" pitchFamily="34" charset="-122"/>
                 <a:ea typeface="微软雅黑" panose="020B0503020204020204" pitchFamily="34" charset="-122"/>
               </a:rPr>
               <a:t>测量</a:t>
             </a:r>
             <a:r>
-              <a:rPr lang="zh-CN" altLang="en-US" sz="2400" dirty="0" smtClean="0">
+              <a:rPr lang="zh-CN" altLang="en-US" sz="2400" dirty="0">
                 <a:latin typeface="微软雅黑" panose="020B0503020204020204" pitchFamily="34" charset="-122"/>
                 <a:ea typeface="微软雅黑" panose="020B0503020204020204" pitchFamily="34" charset="-122"/>
               </a:rPr>
               <a:t>显示</a:t>
             </a:r>
             <a:r>
-              <a:rPr lang="zh-CN" altLang="zh-CN" sz="2400" dirty="0" smtClean="0">
-                <a:latin typeface="微软雅黑" panose="020B0503020204020204" pitchFamily="34" charset="-122"/>
-                <a:ea typeface="微软雅黑" panose="020B0503020204020204" pitchFamily="34" charset="-122"/>
-              </a:rPr>
-              <a:t>室内实时</a:t>
-            </a:r>
-            <a:r>
               <a:rPr lang="zh-CN" altLang="zh-CN" sz="2400" dirty="0">
                 <a:latin typeface="微软雅黑" panose="020B0503020204020204" pitchFamily="34" charset="-122"/>
                 <a:ea typeface="微软雅黑" panose="020B0503020204020204" pitchFamily="34" charset="-122"/>
               </a:rPr>
-              <a:t>温湿度以及室外风速、风向</a:t>
-            </a:r>
-            <a:r>
-              <a:rPr lang="zh-CN" altLang="zh-CN" sz="2400" dirty="0" smtClean="0">
-                <a:latin typeface="微软雅黑" panose="020B0503020204020204" pitchFamily="34" charset="-122"/>
-                <a:ea typeface="微软雅黑" panose="020B0503020204020204" pitchFamily="34" charset="-122"/>
-              </a:rPr>
-              <a:t>，</a:t>
+              <a:t>室内实时温湿度以及室外风速、风向，</a:t>
             </a:r>
             <a:r>
               <a:rPr lang="zh-CN" altLang="en-US" sz="2400" dirty="0">
@@ -10988,48 +10722,27 @@
               <a:t>雨量</a:t>
             </a:r>
             <a:r>
-              <a:rPr lang="zh-CN" altLang="zh-CN" sz="2400" dirty="0" smtClean="0">
-                <a:latin typeface="微软雅黑" panose="020B0503020204020204" pitchFamily="34" charset="-122"/>
-                <a:ea typeface="微软雅黑" panose="020B0503020204020204" pitchFamily="34" charset="-122"/>
-              </a:rPr>
-              <a:t>并</a:t>
-            </a:r>
-            <a:r>
               <a:rPr lang="zh-CN" altLang="zh-CN" sz="2400" dirty="0">
                 <a:latin typeface="微软雅黑" panose="020B0503020204020204" pitchFamily="34" charset="-122"/>
                 <a:ea typeface="微软雅黑" panose="020B0503020204020204" pitchFamily="34" charset="-122"/>
               </a:rPr>
-              <a:t>以统计图的</a:t>
-            </a:r>
-            <a:r>
-              <a:rPr lang="zh-CN" altLang="zh-CN" sz="2400" dirty="0" smtClean="0">
-                <a:latin typeface="微软雅黑" panose="020B0503020204020204" pitchFamily="34" charset="-122"/>
-                <a:ea typeface="微软雅黑" panose="020B0503020204020204" pitchFamily="34" charset="-122"/>
-              </a:rPr>
-              <a:t>形式</a:t>
-            </a:r>
-            <a:r>
-              <a:rPr lang="zh-CN" altLang="en-US" sz="2400" dirty="0" smtClean="0">
-                <a:latin typeface="微软雅黑" panose="020B0503020204020204" pitchFamily="34" charset="-122"/>
-                <a:ea typeface="微软雅黑" panose="020B0503020204020204" pitchFamily="34" charset="-122"/>
-              </a:rPr>
-              <a:t>呈现</a:t>
+              <a:t>并以统计图的形式</a:t>
             </a:r>
             <a:r>
               <a:rPr lang="zh-CN" altLang="en-US" sz="2400" dirty="0">
                 <a:latin typeface="微软雅黑" panose="020B0503020204020204" pitchFamily="34" charset="-122"/>
                 <a:ea typeface="微软雅黑" panose="020B0503020204020204" pitchFamily="34" charset="-122"/>
               </a:rPr>
-              <a:t>历史数据</a:t>
-            </a:r>
-            <a:r>
-              <a:rPr lang="zh-CN" altLang="zh-CN" sz="2400" dirty="0" smtClean="0">
+              <a:t>呈现历史数据</a:t>
+            </a:r>
+            <a:r>
+              <a:rPr lang="zh-CN" altLang="zh-CN" sz="2400" dirty="0">
                 <a:latin typeface="微软雅黑" panose="020B0503020204020204" pitchFamily="34" charset="-122"/>
                 <a:ea typeface="微软雅黑" panose="020B0503020204020204" pitchFamily="34" charset="-122"/>
               </a:rPr>
               <a:t>。</a:t>
             </a:r>
-            <a:endParaRPr lang="en-US" altLang="zh-CN" sz="2400" dirty="0" smtClean="0">
+            <a:endParaRPr lang="en-US" altLang="zh-CN" sz="2400" dirty="0">
               <a:latin typeface="微软雅黑" panose="020B0503020204020204" pitchFamily="34" charset="-122"/>
               <a:ea typeface="微软雅黑" panose="020B0503020204020204" pitchFamily="34" charset="-122"/>
             </a:endParaRPr>
@@ -11045,10 +10758,6 @@
               </a:rPr>
               <a:t>	</a:t>
             </a:r>
-            <a:endParaRPr lang="en-US" altLang="zh-CN" sz="2400" dirty="0" smtClean="0">
-              <a:latin typeface="微软雅黑" panose="020B0503020204020204" pitchFamily="34" charset="-122"/>
-              <a:ea typeface="微软雅黑" panose="020B0503020204020204" pitchFamily="34" charset="-122"/>
-            </a:endParaRPr>
           </a:p>
           <a:p>
             <a:pPr marL="0" indent="0">
@@ -11061,10 +10770,6 @@
               </a:rPr>
               <a:t>	</a:t>
             </a:r>
-            <a:endParaRPr lang="en-US" altLang="zh-CN" sz="2400" dirty="0" smtClean="0">
-              <a:latin typeface="微软雅黑" panose="020B0503020204020204" pitchFamily="34" charset="-122"/>
-              <a:ea typeface="微软雅黑" panose="020B0503020204020204" pitchFamily="34" charset="-122"/>
-            </a:endParaRPr>
           </a:p>
           <a:p>
             <a:pPr marL="0" indent="0">
@@ -11079,7 +10784,7 @@
             <a:pPr marL="0" indent="0">
               <a:buNone/>
             </a:pPr>
-            <a:endParaRPr lang="en-US" altLang="zh-CN" sz="2400" dirty="0" smtClean="0">
+            <a:endParaRPr lang="en-US" altLang="zh-CN" sz="2400" dirty="0">
               <a:latin typeface="微软雅黑" panose="020B0503020204020204" pitchFamily="34" charset="-122"/>
               <a:ea typeface="微软雅黑" panose="020B0503020204020204" pitchFamily="34" charset="-122"/>
             </a:endParaRPr>
@@ -11096,35 +10801,21 @@
               <a:t>	</a:t>
             </a:r>
             <a:r>
-              <a:rPr lang="zh-CN" altLang="en-US" sz="2400" dirty="0" smtClean="0">
-                <a:latin typeface="微软雅黑" panose="020B0503020204020204" pitchFamily="34" charset="-122"/>
-                <a:ea typeface="微软雅黑" panose="020B0503020204020204" pitchFamily="34" charset="-122"/>
-              </a:rPr>
-              <a:t>本项目采用瀑布型软件生存周期。软件开发阶段为可行性</a:t>
-            </a:r>
-            <a:r>
               <a:rPr lang="zh-CN" altLang="en-US" sz="2400" dirty="0">
                 <a:latin typeface="微软雅黑" panose="020B0503020204020204" pitchFamily="34" charset="-122"/>
                 <a:ea typeface="微软雅黑" panose="020B0503020204020204" pitchFamily="34" charset="-122"/>
               </a:rPr>
-              <a:t>研究与</a:t>
-            </a:r>
-            <a:r>
-              <a:rPr lang="zh-CN" altLang="en-US" sz="2400" dirty="0" smtClean="0">
-                <a:latin typeface="微软雅黑" panose="020B0503020204020204" pitchFamily="34" charset="-122"/>
-                <a:ea typeface="微软雅黑" panose="020B0503020204020204" pitchFamily="34" charset="-122"/>
-              </a:rPr>
-              <a:t>计划、软件需求分析、概要设计、详细设计、软件实现、测试验证和维护、编写说明书。</a:t>
-            </a:r>
-            <a:r>
-              <a:rPr lang="en-US" altLang="zh-CN" sz="2400" baseline="30000" dirty="0" smtClean="0">
+              <a:t>本项目采用瀑布型软件生存周期。软件开发阶段为可行性研究与计划、软件需求分析、概要设计、详细设计、软件实现、测试验证和维护、编写说明书。</a:t>
+            </a:r>
+            <a:r>
+              <a:rPr lang="en-US" altLang="zh-CN" sz="2400" baseline="30000" dirty="0">
                 <a:latin typeface="微软雅黑" panose="020B0503020204020204" pitchFamily="34" charset="-122"/>
                 <a:ea typeface="微软雅黑" panose="020B0503020204020204" pitchFamily="34" charset="-122"/>
                 <a:hlinkClick r:id="rId3" action="ppaction://hlinksldjump"/>
               </a:rPr>
               <a:t>【1】</a:t>
             </a:r>
-            <a:endParaRPr lang="en-US" altLang="zh-CN" sz="2400" baseline="30000" dirty="0" smtClean="0">
+            <a:endParaRPr lang="en-US" altLang="zh-CN" sz="2400" baseline="30000" dirty="0">
               <a:latin typeface="微软雅黑" panose="020B0503020204020204" pitchFamily="34" charset="-122"/>
               <a:ea typeface="微软雅黑" panose="020B0503020204020204" pitchFamily="34" charset="-122"/>
             </a:endParaRPr>
@@ -11176,13 +10867,6 @@
   <p:transition spd="med">
     <p:pull/>
   </p:transition>
-  <p:timing>
-    <p:tnLst>
-      <p:par>
-        <p:cTn id="1" dur="indefinite" restart="never" nodeType="tmRoot"/>
-      </p:par>
-    </p:tnLst>
-  </p:timing>
 </p:sld>
 </file>
 
@@ -11225,13 +10909,6 @@
               </a:rPr>
               <a:t>适用人群</a:t>
             </a:r>
-            <a:r>
-              <a:rPr lang="en-US" altLang="zh-CN" sz="4400" dirty="0">
-                <a:latin typeface="微软雅黑" panose="020B0503020204020204" pitchFamily="34" charset="-122"/>
-                <a:ea typeface="微软雅黑" panose="020B0503020204020204" pitchFamily="34" charset="-122"/>
-              </a:rPr>
-              <a:t/>
-            </a:r>
             <a:br>
               <a:rPr lang="en-US" altLang="zh-CN" sz="4400" dirty="0">
                 <a:latin typeface="微软雅黑" panose="020B0503020204020204" pitchFamily="34" charset="-122"/>
@@ -11263,105 +10940,77 @@
               <a:buNone/>
             </a:pPr>
             <a:r>
-              <a:rPr lang="en-US" altLang="zh-CN" sz="2400" dirty="0" smtClean="0">
+              <a:rPr lang="en-US" altLang="zh-CN" sz="2400" dirty="0">
                 <a:latin typeface="微软雅黑" panose="020B0503020204020204" pitchFamily="34" charset="-122"/>
                 <a:ea typeface="微软雅黑" panose="020B0503020204020204" pitchFamily="34" charset="-122"/>
               </a:rPr>
               <a:t>	</a:t>
             </a:r>
             <a:r>
-              <a:rPr lang="zh-CN" altLang="en-US" sz="2400" dirty="0" smtClean="0">
+              <a:rPr lang="zh-CN" altLang="en-US" sz="2400" dirty="0">
                 <a:latin typeface="微软雅黑" panose="020B0503020204020204" pitchFamily="34" charset="-122"/>
                 <a:ea typeface="微软雅黑" panose="020B0503020204020204" pitchFamily="34" charset="-122"/>
               </a:rPr>
               <a:t>本项目适用于</a:t>
             </a:r>
             <a:r>
-              <a:rPr lang="zh-CN" altLang="zh-CN" sz="2400" dirty="0" smtClean="0">
-                <a:latin typeface="微软雅黑" panose="020B0503020204020204" pitchFamily="34" charset="-122"/>
-                <a:ea typeface="微软雅黑" panose="020B0503020204020204" pitchFamily="34" charset="-122"/>
-              </a:rPr>
-              <a:t>实验室管理、</a:t>
-            </a:r>
-            <a:r>
               <a:rPr lang="zh-CN" altLang="zh-CN" sz="2400" dirty="0">
                 <a:latin typeface="微软雅黑" panose="020B0503020204020204" pitchFamily="34" charset="-122"/>
                 <a:ea typeface="微软雅黑" panose="020B0503020204020204" pitchFamily="34" charset="-122"/>
               </a:rPr>
-              <a:t>蔬菜</a:t>
-            </a:r>
-            <a:r>
-              <a:rPr lang="zh-CN" altLang="zh-CN" sz="2400" dirty="0" smtClean="0">
-                <a:latin typeface="微软雅黑" panose="020B0503020204020204" pitchFamily="34" charset="-122"/>
-                <a:ea typeface="微软雅黑" panose="020B0503020204020204" pitchFamily="34" charset="-122"/>
-              </a:rPr>
-              <a:t>种植</a:t>
-            </a:r>
-            <a:r>
-              <a:rPr lang="zh-CN" altLang="en-US" sz="2400" dirty="0" smtClean="0">
+              <a:t>实验室管理、蔬菜种植</a:t>
+            </a:r>
+            <a:r>
+              <a:rPr lang="zh-CN" altLang="en-US" sz="2400" dirty="0">
                 <a:latin typeface="微软雅黑" panose="020B0503020204020204" pitchFamily="34" charset="-122"/>
                 <a:ea typeface="微软雅黑" panose="020B0503020204020204" pitchFamily="34" charset="-122"/>
               </a:rPr>
               <a:t>等需要了解实时气象的人群</a:t>
             </a:r>
             <a:r>
-              <a:rPr lang="zh-CN" altLang="zh-CN" sz="2400" dirty="0" smtClean="0">
-                <a:latin typeface="微软雅黑" panose="020B0503020204020204" pitchFamily="34" charset="-122"/>
-                <a:ea typeface="微软雅黑" panose="020B0503020204020204" pitchFamily="34" charset="-122"/>
-              </a:rPr>
-              <a:t>，</a:t>
-            </a:r>
-            <a:r>
               <a:rPr lang="zh-CN" altLang="zh-CN" sz="2400" dirty="0">
                 <a:latin typeface="微软雅黑" panose="020B0503020204020204" pitchFamily="34" charset="-122"/>
                 <a:ea typeface="微软雅黑" panose="020B0503020204020204" pitchFamily="34" charset="-122"/>
               </a:rPr>
-              <a:t>支持二次</a:t>
-            </a:r>
-            <a:r>
-              <a:rPr lang="zh-CN" altLang="zh-CN" sz="2400" dirty="0" smtClean="0">
-                <a:latin typeface="微软雅黑" panose="020B0503020204020204" pitchFamily="34" charset="-122"/>
-                <a:ea typeface="微软雅黑" panose="020B0503020204020204" pitchFamily="34" charset="-122"/>
-              </a:rPr>
-              <a:t>开发</a:t>
-            </a:r>
-            <a:r>
-              <a:rPr lang="zh-CN" altLang="en-US" sz="2400" dirty="0" smtClean="0">
+              <a:t>，支持二次开发</a:t>
+            </a:r>
+            <a:r>
+              <a:rPr lang="zh-CN" altLang="en-US" sz="2400" dirty="0">
                 <a:latin typeface="微软雅黑" panose="020B0503020204020204" pitchFamily="34" charset="-122"/>
                 <a:ea typeface="微软雅黑" panose="020B0503020204020204" pitchFamily="34" charset="-122"/>
               </a:rPr>
               <a:t>，并将在</a:t>
             </a:r>
             <a:r>
-              <a:rPr lang="en-US" altLang="zh-CN" sz="2400" dirty="0" smtClean="0">
+              <a:rPr lang="en-US" altLang="zh-CN" sz="2400" dirty="0">
                 <a:latin typeface="微软雅黑" panose="020B0503020204020204" pitchFamily="34" charset="-122"/>
                 <a:ea typeface="微软雅黑" panose="020B0503020204020204" pitchFamily="34" charset="-122"/>
               </a:rPr>
               <a:t>FAQ</a:t>
             </a:r>
             <a:r>
-              <a:rPr lang="zh-CN" altLang="en-US" sz="2400" dirty="0" smtClean="0">
+              <a:rPr lang="zh-CN" altLang="en-US" sz="2400" dirty="0">
                 <a:latin typeface="微软雅黑" panose="020B0503020204020204" pitchFamily="34" charset="-122"/>
                 <a:ea typeface="微软雅黑" panose="020B0503020204020204" pitchFamily="34" charset="-122"/>
               </a:rPr>
               <a:t>中撰写</a:t>
             </a:r>
             <a:r>
-              <a:rPr lang="en-US" altLang="zh-CN" sz="2400" dirty="0" smtClean="0">
+              <a:rPr lang="en-US" altLang="zh-CN" sz="2400" dirty="0">
                 <a:latin typeface="微软雅黑" panose="020B0503020204020204" pitchFamily="34" charset="-122"/>
                 <a:ea typeface="微软雅黑" panose="020B0503020204020204" pitchFamily="34" charset="-122"/>
               </a:rPr>
               <a:t>API</a:t>
             </a:r>
             <a:r>
-              <a:rPr lang="zh-CN" altLang="en-US" sz="2400" dirty="0" smtClean="0">
+              <a:rPr lang="zh-CN" altLang="en-US" sz="2400" dirty="0">
                 <a:latin typeface="微软雅黑" panose="020B0503020204020204" pitchFamily="34" charset="-122"/>
                 <a:ea typeface="微软雅黑" panose="020B0503020204020204" pitchFamily="34" charset="-122"/>
               </a:rPr>
               <a:t>文档</a:t>
             </a:r>
             <a:r>
-              <a:rPr lang="zh-CN" altLang="zh-CN" sz="2400" dirty="0" smtClean="0">
+              <a:rPr lang="zh-CN" altLang="zh-CN" sz="2400" dirty="0">
                 <a:latin typeface="微软雅黑" panose="020B0503020204020204" pitchFamily="34" charset="-122"/>
                 <a:ea typeface="微软雅黑" panose="020B0503020204020204" pitchFamily="34" charset="-122"/>
               </a:rPr>
@@ -11419,13 +11068,6 @@
   <p:transition spd="med">
     <p:pull/>
   </p:transition>
-  <p:timing>
-    <p:tnLst>
-      <p:par>
-        <p:cTn id="1" dur="indefinite" restart="never" nodeType="tmRoot"/>
-      </p:par>
-    </p:tnLst>
-  </p:timing>
 </p:sld>
 </file>
 
@@ -11462,21 +11104,21 @@
           <a:lstStyle/>
           <a:p>
             <a:r>
-              <a:rPr lang="zh-CN" altLang="zh-CN" dirty="0" smtClean="0">
+              <a:rPr lang="zh-CN" altLang="zh-CN" dirty="0">
                 <a:latin typeface="微软雅黑" panose="020B0503020204020204" pitchFamily="34" charset="-122"/>
                 <a:ea typeface="微软雅黑" panose="020B0503020204020204" pitchFamily="34" charset="-122"/>
               </a:rPr>
               <a:t>限</a:t>
             </a:r>
             <a:r>
-              <a:rPr lang="en-US" altLang="zh-CN" dirty="0" smtClean="0">
+              <a:rPr lang="en-US" altLang="zh-CN" dirty="0">
                 <a:latin typeface="微软雅黑" panose="020B0503020204020204" pitchFamily="34" charset="-122"/>
                 <a:ea typeface="微软雅黑" panose="020B0503020204020204" pitchFamily="34" charset="-122"/>
               </a:rPr>
               <a:t>	</a:t>
             </a:r>
             <a:r>
-              <a:rPr lang="zh-CN" altLang="zh-CN" dirty="0" smtClean="0">
+              <a:rPr lang="zh-CN" altLang="zh-CN" dirty="0">
                 <a:latin typeface="微软雅黑" panose="020B0503020204020204" pitchFamily="34" charset="-122"/>
                 <a:ea typeface="微软雅黑" panose="020B0503020204020204" pitchFamily="34" charset="-122"/>
               </a:rPr>
@@ -11510,25 +11152,18 @@
               <a:buNone/>
             </a:pPr>
             <a:r>
-              <a:rPr lang="en-US" altLang="zh-CN" sz="2400" dirty="0" smtClean="0">
+              <a:rPr lang="en-US" altLang="zh-CN" sz="2400" dirty="0">
                 <a:latin typeface="微软雅黑" panose="020B0503020204020204" pitchFamily="34" charset="-122"/>
                 <a:ea typeface="微软雅黑" panose="020B0503020204020204" pitchFamily="34" charset="-122"/>
               </a:rPr>
               <a:t>	-</a:t>
             </a:r>
             <a:r>
-              <a:rPr lang="zh-CN" altLang="zh-CN" sz="2400" dirty="0" smtClean="0">
-                <a:latin typeface="微软雅黑" panose="020B0503020204020204" pitchFamily="34" charset="-122"/>
-                <a:ea typeface="微软雅黑" panose="020B0503020204020204" pitchFamily="34" charset="-122"/>
-              </a:rPr>
-              <a:t>程序</a:t>
-            </a:r>
-            <a:r>
               <a:rPr lang="zh-CN" altLang="zh-CN" sz="2400" dirty="0">
                 <a:latin typeface="微软雅黑" panose="020B0503020204020204" pitchFamily="34" charset="-122"/>
                 <a:ea typeface="微软雅黑" panose="020B0503020204020204" pitchFamily="34" charset="-122"/>
               </a:rPr>
-              <a:t>须在</a:t>
+              <a:t>程序须在</a:t>
             </a:r>
             <a:r>
               <a:rPr lang="en-US" altLang="zh-CN" sz="2400" dirty="0">
@@ -11542,23 +11177,16 @@
                 <a:latin typeface="微软雅黑" panose="020B0503020204020204" pitchFamily="34" charset="-122"/>
                 <a:ea typeface="微软雅黑" panose="020B0503020204020204" pitchFamily="34" charset="-122"/>
               </a:rPr>
-              <a:t>系统或更高版本中</a:t>
-            </a:r>
-            <a:r>
-              <a:rPr lang="zh-CN" altLang="zh-CN" sz="2400" dirty="0" smtClean="0">
-                <a:latin typeface="微软雅黑" panose="020B0503020204020204" pitchFamily="34" charset="-122"/>
-                <a:ea typeface="微软雅黑" panose="020B0503020204020204" pitchFamily="34" charset="-122"/>
-              </a:rPr>
-              <a:t>运行</a:t>
-            </a:r>
-            <a:r>
-              <a:rPr lang="zh-CN" altLang="en-US" sz="2400" dirty="0" smtClean="0">
+              <a:t>系统或更高版本中运行</a:t>
+            </a:r>
+            <a:r>
+              <a:rPr lang="zh-CN" altLang="en-US" sz="2400" dirty="0">
                 <a:latin typeface="微软雅黑" panose="020B0503020204020204" pitchFamily="34" charset="-122"/>
                 <a:ea typeface="微软雅黑" panose="020B0503020204020204" pitchFamily="34" charset="-122"/>
               </a:rPr>
               <a:t>。</a:t>
             </a:r>
-            <a:endParaRPr lang="en-US" altLang="zh-CN" sz="2400" dirty="0" smtClean="0">
+            <a:endParaRPr lang="en-US" altLang="zh-CN" sz="2400" dirty="0">
               <a:latin typeface="微软雅黑" panose="020B0503020204020204" pitchFamily="34" charset="-122"/>
               <a:ea typeface="微软雅黑" panose="020B0503020204020204" pitchFamily="34" charset="-122"/>
             </a:endParaRPr>
@@ -11572,26 +11200,15 @@
                 <a:latin typeface="微软雅黑" panose="020B0503020204020204" pitchFamily="34" charset="-122"/>
                 <a:ea typeface="微软雅黑" panose="020B0503020204020204" pitchFamily="34" charset="-122"/>
               </a:rPr>
-              <a:t>	</a:t>
-            </a:r>
-            <a:r>
-              <a:rPr lang="en-US" altLang="zh-CN" sz="2400" dirty="0" smtClean="0">
-                <a:latin typeface="微软雅黑" panose="020B0503020204020204" pitchFamily="34" charset="-122"/>
-                <a:ea typeface="微软雅黑" panose="020B0503020204020204" pitchFamily="34" charset="-122"/>
-              </a:rPr>
-              <a:t>-</a:t>
-            </a:r>
-            <a:r>
-              <a:rPr lang="zh-CN" altLang="en-US" sz="2400" dirty="0" smtClean="0">
+              <a:t>	-</a:t>
+            </a:r>
+            <a:r>
+              <a:rPr lang="zh-CN" altLang="en-US" sz="2400" dirty="0">
                 <a:latin typeface="微软雅黑" panose="020B0503020204020204" pitchFamily="34" charset="-122"/>
                 <a:ea typeface="微软雅黑" panose="020B0503020204020204" pitchFamily="34" charset="-122"/>
               </a:rPr>
               <a:t>本装置需处于联网状态</a:t>
             </a:r>
-            <a:endParaRPr lang="zh-CN" altLang="en-US" sz="2400" dirty="0">
-              <a:latin typeface="微软雅黑" panose="020B0503020204020204" pitchFamily="34" charset="-122"/>
-              <a:ea typeface="微软雅黑" panose="020B0503020204020204" pitchFamily="34" charset="-122"/>
-            </a:endParaRPr>
           </a:p>
         </p:txBody>
       </p:sp>
@@ -11640,13 +11257,6 @@
   <p:transition spd="med">
     <p:pull/>
   </p:transition>
-  <p:timing>
-    <p:tnLst>
-      <p:par>
-        <p:cTn id="1" dur="indefinite" restart="never" nodeType="tmRoot"/>
-      </p:par>
-    </p:tnLst>
-  </p:timing>
 </p:sld>
 </file>
 
@@ -11719,14 +11329,34 @@
                 <a:latin typeface="微软雅黑" panose="020B0503020204020204" pitchFamily="34" charset="-122"/>
                 <a:ea typeface="微软雅黑" panose="020B0503020204020204" pitchFamily="34" charset="-122"/>
               </a:rPr>
-              <a:t>风速、风向、雨量气象站</a:t>
-            </a:r>
-            <a:r>
-              <a:rPr lang="zh-CN" altLang="zh-CN" sz="2400" dirty="0" smtClean="0">
-                <a:latin typeface="微软雅黑" panose="020B0503020204020204" pitchFamily="34" charset="-122"/>
-                <a:ea typeface="微软雅黑" panose="020B0503020204020204" pitchFamily="34" charset="-122"/>
-              </a:rPr>
-              <a:t>传感器</a:t>
+              <a:t>风速、风向、雨量气象站传感器</a:t>
+            </a:r>
+          </a:p>
+          <a:p>
+            <a:pPr lvl="0"/>
+            <a:r>
+              <a:rPr lang="en-US" altLang="zh-CN" sz="2400" dirty="0">
+                <a:latin typeface="微软雅黑" panose="020B0503020204020204" pitchFamily="34" charset="-122"/>
+                <a:ea typeface="微软雅黑" panose="020B0503020204020204" pitchFamily="34" charset="-122"/>
+              </a:rPr>
+              <a:t>APRS</a:t>
+            </a:r>
+            <a:r>
+              <a:rPr lang="zh-CN" altLang="zh-CN" sz="2400" dirty="0">
+                <a:latin typeface="微软雅黑" panose="020B0503020204020204" pitchFamily="34" charset="-122"/>
+                <a:ea typeface="微软雅黑" panose="020B0503020204020204" pitchFamily="34" charset="-122"/>
+              </a:rPr>
+              <a:t>气象站专用接口板</a:t>
+            </a:r>
+          </a:p>
+          <a:p>
+            <a:pPr lvl="0"/>
+            <a:r>
+              <a:rPr lang="en-US" altLang="zh-CN" sz="2400" dirty="0">
+                <a:latin typeface="微软雅黑" panose="020B0503020204020204" pitchFamily="34" charset="-122"/>
+                <a:ea typeface="微软雅黑" panose="020B0503020204020204" pitchFamily="34" charset="-122"/>
+              </a:rPr>
+              <a:t>Arduino Yun</a:t>
             </a:r>
             <a:endParaRPr lang="zh-CN" altLang="zh-CN" sz="2400" dirty="0">
               <a:latin typeface="微软雅黑" panose="020B0503020204020204" pitchFamily="34" charset="-122"/>
@@ -11736,100 +11366,36 @@
           <a:p>
             <a:pPr lvl="0"/>
             <a:r>
+              <a:rPr lang="zh-CN" altLang="zh-CN" sz="2400" dirty="0">
+                <a:latin typeface="微软雅黑" panose="020B0503020204020204" pitchFamily="34" charset="-122"/>
+                <a:ea typeface="微软雅黑" panose="020B0503020204020204" pitchFamily="34" charset="-122"/>
+              </a:rPr>
+              <a:t>手机或平板，系统为</a:t>
+            </a:r>
+            <a:r>
               <a:rPr lang="en-US" altLang="zh-CN" sz="2400" dirty="0">
                 <a:latin typeface="微软雅黑" panose="020B0503020204020204" pitchFamily="34" charset="-122"/>
                 <a:ea typeface="微软雅黑" panose="020B0503020204020204" pitchFamily="34" charset="-122"/>
               </a:rPr>
-              <a:t>APRS</a:t>
+              <a:t>Android4.3</a:t>
             </a:r>
             <a:r>
               <a:rPr lang="zh-CN" altLang="zh-CN" sz="2400" dirty="0">
                 <a:latin typeface="微软雅黑" panose="020B0503020204020204" pitchFamily="34" charset="-122"/>
                 <a:ea typeface="微软雅黑" panose="020B0503020204020204" pitchFamily="34" charset="-122"/>
               </a:rPr>
-              <a:t>气象站专用接口</a:t>
-            </a:r>
-            <a:r>
-              <a:rPr lang="zh-CN" altLang="zh-CN" sz="2400" dirty="0" smtClean="0">
-                <a:latin typeface="微软雅黑" panose="020B0503020204020204" pitchFamily="34" charset="-122"/>
-                <a:ea typeface="微软雅黑" panose="020B0503020204020204" pitchFamily="34" charset="-122"/>
-              </a:rPr>
-              <a:t>板</a:t>
-            </a:r>
-            <a:endParaRPr lang="zh-CN" altLang="zh-CN" sz="2400" dirty="0">
-              <a:latin typeface="微软雅黑" panose="020B0503020204020204" pitchFamily="34" charset="-122"/>
-              <a:ea typeface="微软雅黑" panose="020B0503020204020204" pitchFamily="34" charset="-122"/>
-            </a:endParaRPr>
+              <a:t>或更高版本</a:t>
+            </a:r>
           </a:p>
           <a:p>
             <a:pPr lvl="0"/>
             <a:r>
-              <a:rPr lang="en-US" altLang="zh-CN" sz="2400" dirty="0" smtClean="0">
-                <a:latin typeface="微软雅黑" panose="020B0503020204020204" pitchFamily="34" charset="-122"/>
-                <a:ea typeface="微软雅黑" panose="020B0503020204020204" pitchFamily="34" charset="-122"/>
-              </a:rPr>
-              <a:t>Arduino Yun</a:t>
-            </a:r>
-            <a:endParaRPr lang="zh-CN" altLang="zh-CN" sz="2400" dirty="0">
-              <a:latin typeface="微软雅黑" panose="020B0503020204020204" pitchFamily="34" charset="-122"/>
-              <a:ea typeface="微软雅黑" panose="020B0503020204020204" pitchFamily="34" charset="-122"/>
-            </a:endParaRPr>
-          </a:p>
-          <a:p>
-            <a:pPr lvl="0"/>
-            <a:r>
               <a:rPr lang="zh-CN" altLang="zh-CN" sz="2400" dirty="0">
                 <a:latin typeface="微软雅黑" panose="020B0503020204020204" pitchFamily="34" charset="-122"/>
                 <a:ea typeface="微软雅黑" panose="020B0503020204020204" pitchFamily="34" charset="-122"/>
               </a:rPr>
-              <a:t>手机或平板，系统为</a:t>
-            </a:r>
-            <a:r>
-              <a:rPr lang="en-US" altLang="zh-CN" sz="2400" dirty="0" smtClean="0">
-                <a:latin typeface="微软雅黑" panose="020B0503020204020204" pitchFamily="34" charset="-122"/>
-                <a:ea typeface="微软雅黑" panose="020B0503020204020204" pitchFamily="34" charset="-122"/>
-              </a:rPr>
-              <a:t>Android4.3</a:t>
-            </a:r>
-            <a:r>
-              <a:rPr lang="zh-CN" altLang="zh-CN" sz="2400" dirty="0">
-                <a:latin typeface="微软雅黑" panose="020B0503020204020204" pitchFamily="34" charset="-122"/>
-                <a:ea typeface="微软雅黑" panose="020B0503020204020204" pitchFamily="34" charset="-122"/>
-              </a:rPr>
-              <a:t>或更高</a:t>
-            </a:r>
-            <a:r>
-              <a:rPr lang="zh-CN" altLang="zh-CN" sz="2400" dirty="0" smtClean="0">
-                <a:latin typeface="微软雅黑" panose="020B0503020204020204" pitchFamily="34" charset="-122"/>
-                <a:ea typeface="微软雅黑" panose="020B0503020204020204" pitchFamily="34" charset="-122"/>
-              </a:rPr>
-              <a:t>版本</a:t>
-            </a:r>
-            <a:endParaRPr lang="zh-CN" altLang="zh-CN" sz="2400" dirty="0">
-              <a:latin typeface="微软雅黑" panose="020B0503020204020204" pitchFamily="34" charset="-122"/>
-              <a:ea typeface="微软雅黑" panose="020B0503020204020204" pitchFamily="34" charset="-122"/>
-            </a:endParaRPr>
-          </a:p>
-          <a:p>
-            <a:pPr lvl="0"/>
-            <a:r>
-              <a:rPr lang="zh-CN" altLang="zh-CN" sz="2400" dirty="0">
-                <a:latin typeface="微软雅黑" panose="020B0503020204020204" pitchFamily="34" charset="-122"/>
-                <a:ea typeface="微软雅黑" panose="020B0503020204020204" pitchFamily="34" charset="-122"/>
-              </a:rPr>
-              <a:t>面包板以及各式杜邦线</a:t>
-            </a:r>
-            <a:r>
-              <a:rPr lang="zh-CN" altLang="zh-CN" sz="2400" dirty="0" smtClean="0">
-                <a:latin typeface="微软雅黑" panose="020B0503020204020204" pitchFamily="34" charset="-122"/>
-                <a:ea typeface="微软雅黑" panose="020B0503020204020204" pitchFamily="34" charset="-122"/>
-              </a:rPr>
-              <a:t>若干</a:t>
-            </a:r>
-            <a:endParaRPr lang="zh-CN" altLang="zh-CN" sz="2400" dirty="0">
-              <a:latin typeface="微软雅黑" panose="020B0503020204020204" pitchFamily="34" charset="-122"/>
-              <a:ea typeface="微软雅黑" panose="020B0503020204020204" pitchFamily="34" charset="-122"/>
-            </a:endParaRPr>
+              <a:t>面包板以及各式杜邦线若干</a:t>
+            </a:r>
           </a:p>
         </p:txBody>
       </p:sp>
@@ -11878,13 +11444,6 @@
   <p:transition spd="med">
     <p:pull/>
   </p:transition>
-  <p:timing>
-    <p:tnLst>
-      <p:par>
-        <p:cTn id="1" dur="indefinite" restart="never" nodeType="tmRoot"/>
-      </p:par>
-    </p:tnLst>
-  </p:timing>
 </p:sld>
 </file>
 
@@ -11976,19 +11535,8 @@
                 <a:latin typeface="微软雅黑" panose="020B0503020204020204" pitchFamily="34" charset="-122"/>
                 <a:ea typeface="微软雅黑" panose="020B0503020204020204" pitchFamily="34" charset="-122"/>
               </a:rPr>
-              <a:t>使用串口读取温度、湿度、风速、风向</a:t>
-            </a:r>
-            <a:r>
-              <a:rPr lang="zh-CN" altLang="zh-CN" sz="2400" dirty="0" smtClean="0">
-                <a:latin typeface="微软雅黑" panose="020B0503020204020204" pitchFamily="34" charset="-122"/>
-                <a:ea typeface="微软雅黑" panose="020B0503020204020204" pitchFamily="34" charset="-122"/>
-              </a:rPr>
-              <a:t>数据</a:t>
-            </a:r>
-            <a:endParaRPr lang="zh-CN" altLang="zh-CN" sz="2400" dirty="0">
-              <a:latin typeface="微软雅黑" panose="020B0503020204020204" pitchFamily="34" charset="-122"/>
-              <a:ea typeface="微软雅黑" panose="020B0503020204020204" pitchFamily="34" charset="-122"/>
-            </a:endParaRPr>
+              <a:t>使用串口读取温度、湿度、风速、风向数据</a:t>
+            </a:r>
           </a:p>
           <a:p>
             <a:pPr lvl="0" latinLnBrk="1"/>
@@ -12000,7 +11548,7 @@
               <a:t>将数据做初步处理后通过</a:t>
             </a:r>
             <a:r>
-              <a:rPr lang="en-US" altLang="zh-CN" sz="2400" dirty="0" smtClean="0">
+              <a:rPr lang="en-US" altLang="zh-CN" sz="2400" dirty="0">
                 <a:latin typeface="微软雅黑" panose="020B0503020204020204" pitchFamily="34" charset="-122"/>
                 <a:ea typeface="微软雅黑" panose="020B0503020204020204" pitchFamily="34" charset="-122"/>
               </a:rPr>
@@ -12028,14 +11576,14 @@
               <a:t>向</a:t>
             </a:r>
             <a:r>
-              <a:rPr lang="en-US" altLang="zh-CN" sz="2400" dirty="0" smtClean="0">
+              <a:rPr lang="en-US" altLang="zh-CN" sz="2400" dirty="0">
                 <a:latin typeface="微软雅黑" panose="020B0503020204020204" pitchFamily="34" charset="-122"/>
                 <a:ea typeface="微软雅黑" panose="020B0503020204020204" pitchFamily="34" charset="-122"/>
               </a:rPr>
               <a:t>Thing </a:t>
             </a:r>
             <a:r>
-              <a:rPr lang="en-US" altLang="zh-CN" sz="2400" dirty="0" err="1" smtClean="0">
+              <a:rPr lang="en-US" altLang="zh-CN" sz="2400" dirty="0" err="1">
                 <a:latin typeface="微软雅黑" panose="020B0503020204020204" pitchFamily="34" charset="-122"/>
                 <a:ea typeface="微软雅黑" panose="020B0503020204020204" pitchFamily="34" charset="-122"/>
               </a:rPr>
@@ -12105,13 +11653,6 @@
   <p:transition spd="med">
     <p:pull/>
   </p:transition>
-  <p:timing>
-    <p:tnLst>
-      <p:par>
-        <p:cTn id="1" dur="indefinite" restart="never" nodeType="tmRoot"/>
-      </p:par>
-    </p:tnLst>
-  </p:timing>
 </p:sld>
 </file>
 
@@ -12206,14 +11747,14 @@
               <a:t>从</a:t>
             </a:r>
             <a:r>
-              <a:rPr lang="en-US" altLang="zh-CN" sz="2400" dirty="0" smtClean="0">
+              <a:rPr lang="en-US" altLang="zh-CN" sz="2400" dirty="0">
                 <a:latin typeface="微软雅黑" panose="020B0503020204020204" pitchFamily="34" charset="-122"/>
                 <a:ea typeface="微软雅黑" panose="020B0503020204020204" pitchFamily="34" charset="-122"/>
               </a:rPr>
               <a:t>Thing </a:t>
             </a:r>
             <a:r>
-              <a:rPr lang="en-US" altLang="zh-CN" sz="2400" dirty="0" err="1" smtClean="0">
+              <a:rPr lang="en-US" altLang="zh-CN" sz="2400" dirty="0" err="1">
                 <a:latin typeface="微软雅黑" panose="020B0503020204020204" pitchFamily="34" charset="-122"/>
                 <a:ea typeface="微软雅黑" panose="020B0503020204020204" pitchFamily="34" charset="-122"/>
               </a:rPr>
@@ -12240,23 +11781,19 @@
           <a:p>
             <a:pPr lvl="0"/>
             <a:r>
-              <a:rPr lang="zh-CN" altLang="en-US" sz="2400" dirty="0" smtClean="0">
+              <a:rPr lang="zh-CN" altLang="en-US" sz="2400" dirty="0">
                 <a:latin typeface="微软雅黑" panose="020B0503020204020204" pitchFamily="34" charset="-122"/>
                 <a:ea typeface="微软雅黑" panose="020B0503020204020204" pitchFamily="34" charset="-122"/>
               </a:rPr>
               <a:t>人性化的</a:t>
             </a:r>
             <a:r>
-              <a:rPr lang="zh-CN" altLang="zh-CN" sz="2400" dirty="0" smtClean="0">
+              <a:rPr lang="zh-CN" altLang="zh-CN" sz="2400" dirty="0">
                 <a:latin typeface="微软雅黑" panose="020B0503020204020204" pitchFamily="34" charset="-122"/>
                 <a:ea typeface="微软雅黑" panose="020B0503020204020204" pitchFamily="34" charset="-122"/>
               </a:rPr>
               <a:t>界面设计</a:t>
             </a:r>
-            <a:endParaRPr lang="zh-CN" altLang="zh-CN" sz="2400" dirty="0">
-              <a:latin typeface="微软雅黑" panose="020B0503020204020204" pitchFamily="34" charset="-122"/>
-              <a:ea typeface="微软雅黑" panose="020B0503020204020204" pitchFamily="34" charset="-122"/>
-            </a:endParaRPr>
           </a:p>
         </p:txBody>
       </p:sp>
@@ -12305,13 +11842,6 @@
   <p:transition spd="med">
     <p:pull/>
   </p:transition>
-  <p:timing>
-    <p:tnLst>
-      <p:par>
-        <p:cTn id="1" dur="indefinite" restart="never" nodeType="tmRoot"/>
-      </p:par>
-    </p:tnLst>
-  </p:timing>
 </p:sld>
 </file>
 
@@ -12382,14 +11912,14 @@
               <a:buNone/>
             </a:pPr>
             <a:r>
-              <a:rPr lang="en-US" altLang="zh-CN" sz="2400" dirty="0" smtClean="0">
+              <a:rPr lang="en-US" altLang="zh-CN" sz="2400" dirty="0">
                 <a:latin typeface="微软雅黑" panose="020B0503020204020204" pitchFamily="34" charset="-122"/>
                 <a:ea typeface="微软雅黑" panose="020B0503020204020204" pitchFamily="34" charset="-122"/>
               </a:rPr>
               <a:t>Thing </a:t>
             </a:r>
             <a:r>
-              <a:rPr lang="en-US" altLang="zh-CN" sz="2400" dirty="0" err="1" smtClean="0">
+              <a:rPr lang="en-US" altLang="zh-CN" sz="2400" dirty="0" err="1">
                 <a:latin typeface="微软雅黑" panose="020B0503020204020204" pitchFamily="34" charset="-122"/>
                 <a:ea typeface="微软雅黑" panose="020B0503020204020204" pitchFamily="34" charset="-122"/>
               </a:rPr>
@@ -12413,7 +11943,7 @@
               <a:t>从</a:t>
             </a:r>
             <a:r>
-              <a:rPr lang="en-US" altLang="zh-CN" sz="2400" dirty="0" smtClean="0">
+              <a:rPr lang="en-US" altLang="zh-CN" sz="2400" dirty="0">
                 <a:latin typeface="微软雅黑" panose="020B0503020204020204" pitchFamily="34" charset="-122"/>
                 <a:ea typeface="微软雅黑" panose="020B0503020204020204" pitchFamily="34" charset="-122"/>
               </a:rPr>
@@ -12447,16 +11977,9 @@
                 <a:latin typeface="微软雅黑" panose="020B0503020204020204" pitchFamily="34" charset="-122"/>
                 <a:ea typeface="微软雅黑" panose="020B0503020204020204" pitchFamily="34" charset="-122"/>
               </a:rPr>
-              <a:t>直接获取历史</a:t>
-            </a:r>
-            <a:r>
-              <a:rPr lang="zh-CN" altLang="zh-CN" sz="2400" dirty="0" smtClean="0">
-                <a:latin typeface="微软雅黑" panose="020B0503020204020204" pitchFamily="34" charset="-122"/>
-                <a:ea typeface="微软雅黑" panose="020B0503020204020204" pitchFamily="34" charset="-122"/>
-              </a:rPr>
-              <a:t>数据</a:t>
-            </a:r>
-            <a:endParaRPr lang="en-US" altLang="zh-CN" sz="2400" dirty="0" smtClean="0">
+              <a:t>直接获取历史数据</a:t>
+            </a:r>
+            <a:endParaRPr lang="en-US" altLang="zh-CN" sz="2400" dirty="0">
               <a:latin typeface="微软雅黑" panose="020B0503020204020204" pitchFamily="34" charset="-122"/>
               <a:ea typeface="微软雅黑" panose="020B0503020204020204" pitchFamily="34" charset="-122"/>
             </a:endParaRPr>
@@ -12508,13 +12031,6 @@
   <p:transition spd="med">
     <p:pull/>
   </p:transition>
-  <p:timing>
-    <p:tnLst>
-      <p:par>
-        <p:cTn id="1" dur="indefinite" restart="never" nodeType="tmRoot"/>
-      </p:par>
-    </p:tnLst>
-  </p:timing>
 </p:sld>
 </file>
 
